--- a/public/SITnovatePresentationTemplate.pptx
+++ b/public/SITnovatePresentationTemplate.pptx
@@ -1,28 +1,24 @@
 
 <file path=ppt/presentation.xml><?xml version="1.0" encoding="utf-8"?>
-<p:presentation xmlns:a="http://schemas.openxmlformats.org/drawingml/2006/main" xmlns:r="http://schemas.openxmlformats.org/officeDocument/2006/relationships" xmlns:p="http://schemas.openxmlformats.org/presentationml/2006/main" saveSubsetFonts="1" embedTrueTypeFonts="true">
+<p:presentation xmlns:a="http://schemas.openxmlformats.org/drawingml/2006/main" xmlns:r="http://schemas.openxmlformats.org/officeDocument/2006/relationships" xmlns:p="http://schemas.openxmlformats.org/presentationml/2006/main" embedTrueTypeFonts="1" saveSubsetFonts="1">
   <p:sldMasterIdLst>
     <p:sldMasterId id="2147483648" r:id="rId1"/>
   </p:sldMasterIdLst>
   <p:sldIdLst>
-    <p:sldId id="256" r:id="rId6"/>
-    <p:sldId id="257" r:id="rId7"/>
-    <p:sldId id="258" r:id="rId8"/>
-    <p:sldId id="259" r:id="rId9"/>
-    <p:sldId id="260" r:id="rId10"/>
-    <p:sldId id="261" r:id="rId11"/>
-    <p:sldId id="262" r:id="rId12"/>
+    <p:sldId id="256" r:id="rId2"/>
+    <p:sldId id="257" r:id="rId3"/>
+    <p:sldId id="258" r:id="rId4"/>
+    <p:sldId id="259" r:id="rId5"/>
+    <p:sldId id="260" r:id="rId6"/>
+    <p:sldId id="261" r:id="rId7"/>
+    <p:sldId id="262" r:id="rId8"/>
   </p:sldIdLst>
   <p:sldSz cx="18288000" cy="10287000"/>
   <p:notesSz cx="6858000" cy="9144000"/>
   <p:embeddedFontLst>
     <p:embeddedFont>
-      <p:font typeface="Times New Roman Bold" charset="1" panose="02030802070405020303"/>
-      <p:regular r:id="rId13"/>
-    </p:embeddedFont>
-    <p:embeddedFont>
-      <p:font typeface="Times New Roman" charset="1" panose="02030502070405020303"/>
-      <p:regular r:id="rId14"/>
+      <p:font typeface="Times New Roman Bold"/>
+      <p:regular r:id="rId9"/>
     </p:embeddedFont>
   </p:embeddedFontLst>
   <p:defaultTextStyle>
@@ -120,6 +116,22 @@
       </a:defRPr>
     </a:lvl9pPr>
   </p:defaultTextStyle>
+  <p:extLst>
+    <p:ext uri="{EFAFB233-063F-42B5-8137-9DF3F51BA10A}">
+      <p15:sldGuideLst xmlns:p15="http://schemas.microsoft.com/office/powerpoint/2012/main">
+        <p15:guide id="1" orient="horz" pos="2160">
+          <p15:clr>
+            <a:srgbClr val="A4A3A4"/>
+          </p15:clr>
+        </p15:guide>
+        <p15:guide id="2" pos="2880">
+          <p15:clr>
+            <a:srgbClr val="A4A3A4"/>
+          </p15:clr>
+        </p15:guide>
+      </p15:sldGuideLst>
+    </p:ext>
+  </p:extLst>
 </p:presentation>
 </file>
 
@@ -161,10 +173,9 @@
           <a:lstStyle/>
           <a:p>
             <a:r>
-              <a:rPr lang="en-US" smtClean="0"/>
+              <a:rPr lang="en-US"/>
               <a:t>Click to edit Master title style</a:t>
             </a:r>
-            <a:endParaRPr lang="en-US"/>
           </a:p>
         </p:txBody>
       </p:sp>
@@ -280,10 +291,9 @@
           </a:lstStyle>
           <a:p>
             <a:r>
-              <a:rPr lang="en-US" smtClean="0"/>
+              <a:rPr lang="en-US"/>
               <a:t>Click to edit Master subtitle style</a:t>
             </a:r>
-            <a:endParaRPr lang="en-US"/>
           </a:p>
         </p:txBody>
       </p:sp>
@@ -305,7 +315,7 @@
             <a:fld id="{1D8BD707-D9CF-40AE-B4C6-C98DA3205C09}" type="datetimeFigureOut">
               <a:rPr lang="en-US" smtClean="0"/>
               <a:pPr/>
-              <a:t>8/1/2011</a:t>
+              <a:t>2/14/2025</a:t>
             </a:fld>
             <a:endParaRPr lang="en-US"/>
           </a:p>
@@ -395,10 +405,9 @@
           <a:lstStyle/>
           <a:p>
             <a:r>
-              <a:rPr lang="en-US" smtClean="0"/>
+              <a:rPr lang="en-US"/>
               <a:t>Click to edit Master title style</a:t>
             </a:r>
-            <a:endParaRPr lang="en-US"/>
           </a:p>
         </p:txBody>
       </p:sp>
@@ -419,38 +428,37 @@
           <a:p>
             <a:pPr lvl="0"/>
             <a:r>
-              <a:rPr lang="en-US" smtClean="0"/>
+              <a:rPr lang="en-US"/>
               <a:t>Click to edit Master text styles</a:t>
             </a:r>
           </a:p>
           <a:p>
             <a:pPr lvl="1"/>
             <a:r>
-              <a:rPr lang="en-US" smtClean="0"/>
+              <a:rPr lang="en-US"/>
               <a:t>Second level</a:t>
             </a:r>
           </a:p>
           <a:p>
             <a:pPr lvl="2"/>
             <a:r>
-              <a:rPr lang="en-US" smtClean="0"/>
+              <a:rPr lang="en-US"/>
               <a:t>Third level</a:t>
             </a:r>
           </a:p>
           <a:p>
             <a:pPr lvl="3"/>
             <a:r>
-              <a:rPr lang="en-US" smtClean="0"/>
+              <a:rPr lang="en-US"/>
               <a:t>Fourth level</a:t>
             </a:r>
           </a:p>
           <a:p>
             <a:pPr lvl="4"/>
             <a:r>
-              <a:rPr lang="en-US" smtClean="0"/>
+              <a:rPr lang="en-US"/>
               <a:t>Fifth level</a:t>
             </a:r>
-            <a:endParaRPr lang="en-US"/>
           </a:p>
         </p:txBody>
       </p:sp>
@@ -472,7 +480,7 @@
             <a:fld id="{1D8BD707-D9CF-40AE-B4C6-C98DA3205C09}" type="datetimeFigureOut">
               <a:rPr lang="en-US" smtClean="0"/>
               <a:pPr/>
-              <a:t>8/1/2011</a:t>
+              <a:t>2/14/2025</a:t>
             </a:fld>
             <a:endParaRPr lang="en-US"/>
           </a:p>
@@ -567,10 +575,9 @@
           <a:lstStyle/>
           <a:p>
             <a:r>
-              <a:rPr lang="en-US" smtClean="0"/>
+              <a:rPr lang="en-US"/>
               <a:t>Click to edit Master title style</a:t>
             </a:r>
-            <a:endParaRPr lang="en-US"/>
           </a:p>
         </p:txBody>
       </p:sp>
@@ -596,38 +603,37 @@
           <a:p>
             <a:pPr lvl="0"/>
             <a:r>
-              <a:rPr lang="en-US" smtClean="0"/>
+              <a:rPr lang="en-US"/>
               <a:t>Click to edit Master text styles</a:t>
             </a:r>
           </a:p>
           <a:p>
             <a:pPr lvl="1"/>
             <a:r>
-              <a:rPr lang="en-US" smtClean="0"/>
+              <a:rPr lang="en-US"/>
               <a:t>Second level</a:t>
             </a:r>
           </a:p>
           <a:p>
             <a:pPr lvl="2"/>
             <a:r>
-              <a:rPr lang="en-US" smtClean="0"/>
+              <a:rPr lang="en-US"/>
               <a:t>Third level</a:t>
             </a:r>
           </a:p>
           <a:p>
             <a:pPr lvl="3"/>
             <a:r>
-              <a:rPr lang="en-US" smtClean="0"/>
+              <a:rPr lang="en-US"/>
               <a:t>Fourth level</a:t>
             </a:r>
           </a:p>
           <a:p>
             <a:pPr lvl="4"/>
             <a:r>
-              <a:rPr lang="en-US" smtClean="0"/>
+              <a:rPr lang="en-US"/>
               <a:t>Fifth level</a:t>
             </a:r>
-            <a:endParaRPr lang="en-US"/>
           </a:p>
         </p:txBody>
       </p:sp>
@@ -649,7 +655,7 @@
             <a:fld id="{1D8BD707-D9CF-40AE-B4C6-C98DA3205C09}" type="datetimeFigureOut">
               <a:rPr lang="en-US" smtClean="0"/>
               <a:pPr/>
-              <a:t>8/1/2011</a:t>
+              <a:t>2/14/2025</a:t>
             </a:fld>
             <a:endParaRPr lang="en-US"/>
           </a:p>
@@ -739,10 +745,9 @@
           <a:lstStyle/>
           <a:p>
             <a:r>
-              <a:rPr lang="en-US" smtClean="0"/>
+              <a:rPr lang="en-US"/>
               <a:t>Click to edit Master title style</a:t>
             </a:r>
-            <a:endParaRPr lang="en-US"/>
           </a:p>
         </p:txBody>
       </p:sp>
@@ -763,38 +768,37 @@
           <a:p>
             <a:pPr lvl="0"/>
             <a:r>
-              <a:rPr lang="en-US" smtClean="0"/>
+              <a:rPr lang="en-US"/>
               <a:t>Click to edit Master text styles</a:t>
             </a:r>
           </a:p>
           <a:p>
             <a:pPr lvl="1"/>
             <a:r>
-              <a:rPr lang="en-US" smtClean="0"/>
+              <a:rPr lang="en-US"/>
               <a:t>Second level</a:t>
             </a:r>
           </a:p>
           <a:p>
             <a:pPr lvl="2"/>
             <a:r>
-              <a:rPr lang="en-US" smtClean="0"/>
+              <a:rPr lang="en-US"/>
               <a:t>Third level</a:t>
             </a:r>
           </a:p>
           <a:p>
             <a:pPr lvl="3"/>
             <a:r>
-              <a:rPr lang="en-US" smtClean="0"/>
+              <a:rPr lang="en-US"/>
               <a:t>Fourth level</a:t>
             </a:r>
           </a:p>
           <a:p>
             <a:pPr lvl="4"/>
             <a:r>
-              <a:rPr lang="en-US" smtClean="0"/>
+              <a:rPr lang="en-US"/>
               <a:t>Fifth level</a:t>
             </a:r>
-            <a:endParaRPr lang="en-US"/>
           </a:p>
         </p:txBody>
       </p:sp>
@@ -816,7 +820,7 @@
             <a:fld id="{1D8BD707-D9CF-40AE-B4C6-C98DA3205C09}" type="datetimeFigureOut">
               <a:rPr lang="en-US" smtClean="0"/>
               <a:pPr/>
-              <a:t>8/1/2011</a:t>
+              <a:t>2/14/2025</a:t>
             </a:fld>
             <a:endParaRPr lang="en-US"/>
           </a:p>
@@ -915,10 +919,9 @@
           </a:lstStyle>
           <a:p>
             <a:r>
-              <a:rPr lang="en-US" smtClean="0"/>
+              <a:rPr lang="en-US"/>
               <a:t>Click to edit Master title style</a:t>
             </a:r>
-            <a:endParaRPr lang="en-US"/>
           </a:p>
         </p:txBody>
       </p:sp>
@@ -1035,7 +1038,7 @@
           <a:p>
             <a:pPr lvl="0"/>
             <a:r>
-              <a:rPr lang="en-US" smtClean="0"/>
+              <a:rPr lang="en-US"/>
               <a:t>Click to edit Master text styles</a:t>
             </a:r>
           </a:p>
@@ -1059,7 +1062,7 @@
             <a:fld id="{1D8BD707-D9CF-40AE-B4C6-C98DA3205C09}" type="datetimeFigureOut">
               <a:rPr lang="en-US" smtClean="0"/>
               <a:pPr/>
-              <a:t>8/1/2011</a:t>
+              <a:t>2/14/2025</a:t>
             </a:fld>
             <a:endParaRPr lang="en-US"/>
           </a:p>
@@ -1149,10 +1152,9 @@
           <a:lstStyle/>
           <a:p>
             <a:r>
-              <a:rPr lang="en-US" smtClean="0"/>
+              <a:rPr lang="en-US"/>
               <a:t>Click to edit Master title style</a:t>
             </a:r>
-            <a:endParaRPr lang="en-US"/>
           </a:p>
         </p:txBody>
       </p:sp>
@@ -1206,38 +1208,37 @@
           <a:p>
             <a:pPr lvl="0"/>
             <a:r>
-              <a:rPr lang="en-US" smtClean="0"/>
+              <a:rPr lang="en-US"/>
               <a:t>Click to edit Master text styles</a:t>
             </a:r>
           </a:p>
           <a:p>
             <a:pPr lvl="1"/>
             <a:r>
-              <a:rPr lang="en-US" smtClean="0"/>
+              <a:rPr lang="en-US"/>
               <a:t>Second level</a:t>
             </a:r>
           </a:p>
           <a:p>
             <a:pPr lvl="2"/>
             <a:r>
-              <a:rPr lang="en-US" smtClean="0"/>
+              <a:rPr lang="en-US"/>
               <a:t>Third level</a:t>
             </a:r>
           </a:p>
           <a:p>
             <a:pPr lvl="3"/>
             <a:r>
-              <a:rPr lang="en-US" smtClean="0"/>
+              <a:rPr lang="en-US"/>
               <a:t>Fourth level</a:t>
             </a:r>
           </a:p>
           <a:p>
             <a:pPr lvl="4"/>
             <a:r>
-              <a:rPr lang="en-US" smtClean="0"/>
+              <a:rPr lang="en-US"/>
               <a:t>Fifth level</a:t>
             </a:r>
-            <a:endParaRPr lang="en-US"/>
           </a:p>
         </p:txBody>
       </p:sp>
@@ -1291,38 +1292,37 @@
           <a:p>
             <a:pPr lvl="0"/>
             <a:r>
-              <a:rPr lang="en-US" smtClean="0"/>
+              <a:rPr lang="en-US"/>
               <a:t>Click to edit Master text styles</a:t>
             </a:r>
           </a:p>
           <a:p>
             <a:pPr lvl="1"/>
             <a:r>
-              <a:rPr lang="en-US" smtClean="0"/>
+              <a:rPr lang="en-US"/>
               <a:t>Second level</a:t>
             </a:r>
           </a:p>
           <a:p>
             <a:pPr lvl="2"/>
             <a:r>
-              <a:rPr lang="en-US" smtClean="0"/>
+              <a:rPr lang="en-US"/>
               <a:t>Third level</a:t>
             </a:r>
           </a:p>
           <a:p>
             <a:pPr lvl="3"/>
             <a:r>
-              <a:rPr lang="en-US" smtClean="0"/>
+              <a:rPr lang="en-US"/>
               <a:t>Fourth level</a:t>
             </a:r>
           </a:p>
           <a:p>
             <a:pPr lvl="4"/>
             <a:r>
-              <a:rPr lang="en-US" smtClean="0"/>
+              <a:rPr lang="en-US"/>
               <a:t>Fifth level</a:t>
             </a:r>
-            <a:endParaRPr lang="en-US"/>
           </a:p>
         </p:txBody>
       </p:sp>
@@ -1344,7 +1344,7 @@
             <a:fld id="{1D8BD707-D9CF-40AE-B4C6-C98DA3205C09}" type="datetimeFigureOut">
               <a:rPr lang="en-US" smtClean="0"/>
               <a:pPr/>
-              <a:t>8/1/2011</a:t>
+              <a:t>2/14/2025</a:t>
             </a:fld>
             <a:endParaRPr lang="en-US"/>
           </a:p>
@@ -1438,10 +1438,9 @@
           </a:lstStyle>
           <a:p>
             <a:r>
-              <a:rPr lang="en-US" smtClean="0"/>
+              <a:rPr lang="en-US"/>
               <a:t>Click to edit Master title style</a:t>
             </a:r>
-            <a:endParaRPr lang="en-US"/>
           </a:p>
         </p:txBody>
       </p:sp>
@@ -1504,7 +1503,7 @@
           <a:p>
             <a:pPr lvl="0"/>
             <a:r>
-              <a:rPr lang="en-US" smtClean="0"/>
+              <a:rPr lang="en-US"/>
               <a:t>Click to edit Master text styles</a:t>
             </a:r>
           </a:p>
@@ -1560,38 +1559,37 @@
           <a:p>
             <a:pPr lvl="0"/>
             <a:r>
-              <a:rPr lang="en-US" smtClean="0"/>
+              <a:rPr lang="en-US"/>
               <a:t>Click to edit Master text styles</a:t>
             </a:r>
           </a:p>
           <a:p>
             <a:pPr lvl="1"/>
             <a:r>
-              <a:rPr lang="en-US" smtClean="0"/>
+              <a:rPr lang="en-US"/>
               <a:t>Second level</a:t>
             </a:r>
           </a:p>
           <a:p>
             <a:pPr lvl="2"/>
             <a:r>
-              <a:rPr lang="en-US" smtClean="0"/>
+              <a:rPr lang="en-US"/>
               <a:t>Third level</a:t>
             </a:r>
           </a:p>
           <a:p>
             <a:pPr lvl="3"/>
             <a:r>
-              <a:rPr lang="en-US" smtClean="0"/>
+              <a:rPr lang="en-US"/>
               <a:t>Fourth level</a:t>
             </a:r>
           </a:p>
           <a:p>
             <a:pPr lvl="4"/>
             <a:r>
-              <a:rPr lang="en-US" smtClean="0"/>
+              <a:rPr lang="en-US"/>
               <a:t>Fifth level</a:t>
             </a:r>
-            <a:endParaRPr lang="en-US"/>
           </a:p>
         </p:txBody>
       </p:sp>
@@ -1654,7 +1652,7 @@
           <a:p>
             <a:pPr lvl="0"/>
             <a:r>
-              <a:rPr lang="en-US" smtClean="0"/>
+              <a:rPr lang="en-US"/>
               <a:t>Click to edit Master text styles</a:t>
             </a:r>
           </a:p>
@@ -1710,38 +1708,37 @@
           <a:p>
             <a:pPr lvl="0"/>
             <a:r>
-              <a:rPr lang="en-US" smtClean="0"/>
+              <a:rPr lang="en-US"/>
               <a:t>Click to edit Master text styles</a:t>
             </a:r>
           </a:p>
           <a:p>
             <a:pPr lvl="1"/>
             <a:r>
-              <a:rPr lang="en-US" smtClean="0"/>
+              <a:rPr lang="en-US"/>
               <a:t>Second level</a:t>
             </a:r>
           </a:p>
           <a:p>
             <a:pPr lvl="2"/>
             <a:r>
-              <a:rPr lang="en-US" smtClean="0"/>
+              <a:rPr lang="en-US"/>
               <a:t>Third level</a:t>
             </a:r>
           </a:p>
           <a:p>
             <a:pPr lvl="3"/>
             <a:r>
-              <a:rPr lang="en-US" smtClean="0"/>
+              <a:rPr lang="en-US"/>
               <a:t>Fourth level</a:t>
             </a:r>
           </a:p>
           <a:p>
             <a:pPr lvl="4"/>
             <a:r>
-              <a:rPr lang="en-US" smtClean="0"/>
+              <a:rPr lang="en-US"/>
               <a:t>Fifth level</a:t>
             </a:r>
-            <a:endParaRPr lang="en-US"/>
           </a:p>
         </p:txBody>
       </p:sp>
@@ -1763,7 +1760,7 @@
             <a:fld id="{1D8BD707-D9CF-40AE-B4C6-C98DA3205C09}" type="datetimeFigureOut">
               <a:rPr lang="en-US" smtClean="0"/>
               <a:pPr/>
-              <a:t>8/1/2011</a:t>
+              <a:t>2/14/2025</a:t>
             </a:fld>
             <a:endParaRPr lang="en-US"/>
           </a:p>
@@ -1853,10 +1850,9 @@
           <a:lstStyle/>
           <a:p>
             <a:r>
-              <a:rPr lang="en-US" smtClean="0"/>
+              <a:rPr lang="en-US"/>
               <a:t>Click to edit Master title style</a:t>
             </a:r>
-            <a:endParaRPr lang="en-US"/>
           </a:p>
         </p:txBody>
       </p:sp>
@@ -1878,7 +1874,7 @@
             <a:fld id="{1D8BD707-D9CF-40AE-B4C6-C98DA3205C09}" type="datetimeFigureOut">
               <a:rPr lang="en-US" smtClean="0"/>
               <a:pPr/>
-              <a:t>8/1/2011</a:t>
+              <a:t>2/14/2025</a:t>
             </a:fld>
             <a:endParaRPr lang="en-US"/>
           </a:p>
@@ -1970,7 +1966,7 @@
             <a:fld id="{1D8BD707-D9CF-40AE-B4C6-C98DA3205C09}" type="datetimeFigureOut">
               <a:rPr lang="en-US" smtClean="0"/>
               <a:pPr/>
-              <a:t>8/1/2011</a:t>
+              <a:t>2/14/2025</a:t>
             </a:fld>
             <a:endParaRPr lang="en-US"/>
           </a:p>
@@ -2069,10 +2065,9 @@
           </a:lstStyle>
           <a:p>
             <a:r>
-              <a:rPr lang="en-US" smtClean="0"/>
+              <a:rPr lang="en-US"/>
               <a:t>Click to edit Master title style</a:t>
             </a:r>
-            <a:endParaRPr lang="en-US"/>
           </a:p>
         </p:txBody>
       </p:sp>
@@ -2126,38 +2121,37 @@
           <a:p>
             <a:pPr lvl="0"/>
             <a:r>
-              <a:rPr lang="en-US" smtClean="0"/>
+              <a:rPr lang="en-US"/>
               <a:t>Click to edit Master text styles</a:t>
             </a:r>
           </a:p>
           <a:p>
             <a:pPr lvl="1"/>
             <a:r>
-              <a:rPr lang="en-US" smtClean="0"/>
+              <a:rPr lang="en-US"/>
               <a:t>Second level</a:t>
             </a:r>
           </a:p>
           <a:p>
             <a:pPr lvl="2"/>
             <a:r>
-              <a:rPr lang="en-US" smtClean="0"/>
+              <a:rPr lang="en-US"/>
               <a:t>Third level</a:t>
             </a:r>
           </a:p>
           <a:p>
             <a:pPr lvl="3"/>
             <a:r>
-              <a:rPr lang="en-US" smtClean="0"/>
+              <a:rPr lang="en-US"/>
               <a:t>Fourth level</a:t>
             </a:r>
           </a:p>
           <a:p>
             <a:pPr lvl="4"/>
             <a:r>
-              <a:rPr lang="en-US" smtClean="0"/>
+              <a:rPr lang="en-US"/>
               <a:t>Fifth level</a:t>
             </a:r>
-            <a:endParaRPr lang="en-US"/>
           </a:p>
         </p:txBody>
       </p:sp>
@@ -2220,7 +2214,7 @@
           <a:p>
             <a:pPr lvl="0"/>
             <a:r>
-              <a:rPr lang="en-US" smtClean="0"/>
+              <a:rPr lang="en-US"/>
               <a:t>Click to edit Master text styles</a:t>
             </a:r>
           </a:p>
@@ -2244,7 +2238,7 @@
             <a:fld id="{1D8BD707-D9CF-40AE-B4C6-C98DA3205C09}" type="datetimeFigureOut">
               <a:rPr lang="en-US" smtClean="0"/>
               <a:pPr/>
-              <a:t>8/1/2011</a:t>
+              <a:t>2/14/2025</a:t>
             </a:fld>
             <a:endParaRPr lang="en-US"/>
           </a:p>
@@ -2343,10 +2337,9 @@
           </a:lstStyle>
           <a:p>
             <a:r>
-              <a:rPr lang="en-US" smtClean="0"/>
+              <a:rPr lang="en-US"/>
               <a:t>Click to edit Master title style</a:t>
             </a:r>
-            <a:endParaRPr lang="en-US"/>
           </a:p>
         </p:txBody>
       </p:sp>
@@ -2470,7 +2463,7 @@
           <a:p>
             <a:pPr lvl="0"/>
             <a:r>
-              <a:rPr lang="en-US" smtClean="0"/>
+              <a:rPr lang="en-US"/>
               <a:t>Click to edit Master text styles</a:t>
             </a:r>
           </a:p>
@@ -2494,7 +2487,7 @@
             <a:fld id="{1D8BD707-D9CF-40AE-B4C6-C98DA3205C09}" type="datetimeFigureOut">
               <a:rPr lang="en-US" smtClean="0"/>
               <a:pPr/>
-              <a:t>8/1/2011</a:t>
+              <a:t>2/14/2025</a:t>
             </a:fld>
             <a:endParaRPr lang="en-US"/>
           </a:p>
@@ -2599,10 +2592,9 @@
           <a:lstStyle/>
           <a:p>
             <a:r>
-              <a:rPr lang="en-US" smtClean="0"/>
+              <a:rPr lang="en-US"/>
               <a:t>Click to edit Master title style</a:t>
             </a:r>
-            <a:endParaRPr lang="en-US"/>
           </a:p>
         </p:txBody>
       </p:sp>
@@ -2633,38 +2625,37 @@
           <a:p>
             <a:pPr lvl="0"/>
             <a:r>
-              <a:rPr lang="en-US" smtClean="0"/>
+              <a:rPr lang="en-US"/>
               <a:t>Click to edit Master text styles</a:t>
             </a:r>
           </a:p>
           <a:p>
             <a:pPr lvl="1"/>
             <a:r>
-              <a:rPr lang="en-US" smtClean="0"/>
+              <a:rPr lang="en-US"/>
               <a:t>Second level</a:t>
             </a:r>
           </a:p>
           <a:p>
             <a:pPr lvl="2"/>
             <a:r>
-              <a:rPr lang="en-US" smtClean="0"/>
+              <a:rPr lang="en-US"/>
               <a:t>Third level</a:t>
             </a:r>
           </a:p>
           <a:p>
             <a:pPr lvl="3"/>
             <a:r>
-              <a:rPr lang="en-US" smtClean="0"/>
+              <a:rPr lang="en-US"/>
               <a:t>Fourth level</a:t>
             </a:r>
           </a:p>
           <a:p>
             <a:pPr lvl="4"/>
             <a:r>
-              <a:rPr lang="en-US" smtClean="0"/>
+              <a:rPr lang="en-US"/>
               <a:t>Fifth level</a:t>
             </a:r>
-            <a:endParaRPr lang="en-US"/>
           </a:p>
         </p:txBody>
       </p:sp>
@@ -2704,7 +2695,7 @@
             <a:fld id="{1D8BD707-D9CF-40AE-B4C6-C98DA3205C09}" type="datetimeFigureOut">
               <a:rPr lang="en-US" smtClean="0"/>
               <a:pPr/>
-              <a:t>8/1/2011</a:t>
+              <a:t>2/14/2025</a:t>
             </a:fld>
             <a:endParaRPr lang="en-US"/>
           </a:p>
@@ -3059,7 +3050,7 @@
 </file>
 
 <file path=ppt/slides/slide1.xml><?xml version="1.0" encoding="utf-8"?>
-<p:sld xmlns:p="http://schemas.openxmlformats.org/presentationml/2006/main" xmlns:a="http://schemas.openxmlformats.org/drawingml/2006/main" xmlns:r="http://schemas.openxmlformats.org/officeDocument/2006/relationships">
+<p:sld xmlns:a="http://schemas.openxmlformats.org/drawingml/2006/main" xmlns:r="http://schemas.openxmlformats.org/officeDocument/2006/relationships" xmlns:p="http://schemas.openxmlformats.org/presentationml/2006/main">
   <p:cSld>
     <p:spTree>
       <p:nvGrpSpPr>
@@ -3077,12 +3068,12 @@
       </p:grpSpPr>
       <p:grpSp>
         <p:nvGrpSpPr>
-          <p:cNvPr name="Group 2" id="2"/>
+          <p:cNvPr id="2" name="Group 2"/>
           <p:cNvGrpSpPr/>
           <p:nvPr/>
         </p:nvGrpSpPr>
         <p:grpSpPr>
-          <a:xfrm rot="0">
+          <a:xfrm>
             <a:off x="0" y="9612018"/>
             <a:ext cx="18288000" cy="624868"/>
             <a:chOff x="0" y="0"/>
@@ -3091,12 +3082,12 @@
         </p:grpSpPr>
         <p:sp>
           <p:nvSpPr>
-            <p:cNvPr name="Freeform 3" id="3"/>
+            <p:cNvPr id="3" name="Freeform 3"/>
             <p:cNvSpPr/>
             <p:nvPr/>
           </p:nvSpPr>
           <p:spPr>
-            <a:xfrm flipH="false" flipV="false" rot="0">
+            <a:xfrm>
               <a:off x="0" y="0"/>
               <a:ext cx="4816592" cy="164574"/>
             </a:xfrm>
@@ -3105,9 +3096,9 @@
               <a:gdLst/>
               <a:ahLst/>
               <a:cxnLst/>
-              <a:rect r="r" b="b" t="t" l="l"/>
+              <a:rect l="l" t="t" r="r" b="b"/>
               <a:pathLst>
-                <a:path h="164574" w="4816592">
+                <a:path w="4816592" h="164574">
                   <a:moveTo>
                     <a:pt x="0" y="0"/>
                   </a:moveTo>
@@ -3131,8 +3122,8 @@
         </p:sp>
         <p:sp>
           <p:nvSpPr>
-            <p:cNvPr name="TextBox 4" id="4"/>
-            <p:cNvSpPr txBox="true"/>
+            <p:cNvPr id="4" name="TextBox 4"/>
+            <p:cNvSpPr txBox="1"/>
             <p:nvPr/>
           </p:nvSpPr>
           <p:spPr>
@@ -3145,7 +3136,7 @@
             </a:prstGeom>
           </p:spPr>
           <p:txBody>
-            <a:bodyPr anchor="ctr" rtlCol="false" tIns="50800" lIns="50800" bIns="50800" rIns="50800"/>
+            <a:bodyPr lIns="50800" tIns="50800" rIns="50800" bIns="50800" rtlCol="0" anchor="ctr"/>
             <a:lstStyle/>
             <a:p>
               <a:pPr algn="ctr">
@@ -3156,18 +3147,19 @@
                   <a:spcPct val="0"/>
                 </a:spcBef>
               </a:pPr>
+              <a:endParaRPr/>
             </a:p>
           </p:txBody>
         </p:sp>
       </p:grpSp>
       <p:grpSp>
         <p:nvGrpSpPr>
-          <p:cNvPr name="Group 5" id="5"/>
+          <p:cNvPr id="5" name="Group 5"/>
           <p:cNvGrpSpPr/>
           <p:nvPr/>
         </p:nvGrpSpPr>
         <p:grpSpPr>
-          <a:xfrm rot="0">
+          <a:xfrm>
             <a:off x="0" y="0"/>
             <a:ext cx="18288000" cy="725655"/>
             <a:chOff x="0" y="0"/>
@@ -3176,12 +3168,12 @@
         </p:grpSpPr>
         <p:sp>
           <p:nvSpPr>
-            <p:cNvPr name="Freeform 6" id="6"/>
+            <p:cNvPr id="6" name="Freeform 6"/>
             <p:cNvSpPr/>
             <p:nvPr/>
           </p:nvSpPr>
           <p:spPr>
-            <a:xfrm flipH="false" flipV="false" rot="0">
+            <a:xfrm>
               <a:off x="0" y="0"/>
               <a:ext cx="4816592" cy="191119"/>
             </a:xfrm>
@@ -3190,9 +3182,9 @@
               <a:gdLst/>
               <a:ahLst/>
               <a:cxnLst/>
-              <a:rect r="r" b="b" t="t" l="l"/>
+              <a:rect l="l" t="t" r="r" b="b"/>
               <a:pathLst>
-                <a:path h="191119" w="4816592">
+                <a:path w="4816592" h="191119">
                   <a:moveTo>
                     <a:pt x="0" y="0"/>
                   </a:moveTo>
@@ -3216,8 +3208,8 @@
         </p:sp>
         <p:sp>
           <p:nvSpPr>
-            <p:cNvPr name="TextBox 7" id="7"/>
-            <p:cNvSpPr txBox="true"/>
+            <p:cNvPr id="7" name="TextBox 7"/>
+            <p:cNvSpPr txBox="1"/>
             <p:nvPr/>
           </p:nvSpPr>
           <p:spPr>
@@ -3230,7 +3222,7 @@
             </a:prstGeom>
           </p:spPr>
           <p:txBody>
-            <a:bodyPr anchor="ctr" rtlCol="false" tIns="50800" lIns="50800" bIns="50800" rIns="50800"/>
+            <a:bodyPr lIns="50800" tIns="50800" rIns="50800" bIns="50800" rtlCol="0" anchor="ctr"/>
             <a:lstStyle/>
             <a:p>
               <a:pPr algn="ctr">
@@ -3241,18 +3233,19 @@
                   <a:spcPct val="0"/>
                 </a:spcBef>
               </a:pPr>
+              <a:endParaRPr/>
             </a:p>
           </p:txBody>
         </p:sp>
       </p:grpSp>
       <p:sp>
         <p:nvSpPr>
-          <p:cNvPr name="Freeform 8" id="8"/>
+          <p:cNvPr id="8" name="Freeform 8"/>
           <p:cNvSpPr/>
           <p:nvPr/>
         </p:nvSpPr>
         <p:spPr>
-          <a:xfrm flipH="false" flipV="false" rot="0">
+          <a:xfrm>
             <a:off x="12675323" y="0"/>
             <a:ext cx="5612677" cy="725655"/>
           </a:xfrm>
@@ -3261,9 +3254,9 @@
             <a:gdLst/>
             <a:ahLst/>
             <a:cxnLst/>
-            <a:rect r="r" b="b" t="t" l="l"/>
+            <a:rect l="l" t="t" r="r" b="b"/>
             <a:pathLst>
-              <a:path h="725655" w="5612677">
+              <a:path w="5612677" h="725655">
                 <a:moveTo>
                   <a:pt x="0" y="0"/>
                 </a:moveTo>
@@ -3286,33 +3279,33 @@
           <a:blipFill>
             <a:blip r:embed="rId2"/>
             <a:stretch>
-              <a:fillRect l="0" t="-12748" r="0" b="-14873"/>
+              <a:fillRect t="-12748" b="-14873"/>
             </a:stretch>
           </a:blipFill>
         </p:spPr>
       </p:sp>
       <p:sp>
         <p:nvSpPr>
-          <p:cNvPr name="TextBox 9" id="9"/>
-          <p:cNvSpPr txBox="true"/>
+          <p:cNvPr id="9" name="TextBox 9"/>
+          <p:cNvSpPr txBox="1"/>
           <p:nvPr/>
         </p:nvSpPr>
         <p:spPr>
-          <a:xfrm rot="0">
+          <a:xfrm>
             <a:off x="1954644" y="3322147"/>
-            <a:ext cx="8218568" cy="3626644"/>
+            <a:ext cx="11075556" cy="2095574"/>
           </a:xfrm>
           <a:prstGeom prst="rect">
             <a:avLst/>
           </a:prstGeom>
         </p:spPr>
         <p:txBody>
-          <a:bodyPr anchor="t" rtlCol="false" tIns="0" lIns="0" bIns="0" rIns="0">
+          <a:bodyPr wrap="square" lIns="0" tIns="0" rIns="0" bIns="0" rtlCol="0" anchor="t">
             <a:spAutoFit/>
           </a:bodyPr>
           <a:lstStyle/>
           <a:p>
-            <a:pPr algn="l" marL="866895" indent="-433447" lvl="1">
+            <a:pPr marL="866895" lvl="1" indent="-433447" algn="l">
               <a:lnSpc>
                 <a:spcPts val="5621"/>
               </a:lnSpc>
@@ -3320,20 +3313,20 @@
               <a:buChar char="•"/>
             </a:pPr>
             <a:r>
-              <a:rPr lang="en-US" b="true" sz="4015">
+              <a:rPr lang="en-US" sz="4015" b="1" dirty="0">
                 <a:solidFill>
                   <a:srgbClr val="000000"/>
                 </a:solidFill>
-                <a:latin typeface="Times New Roman Bold"/>
+                <a:latin typeface="Times New Roman" panose="02020603050405020304" pitchFamily="18" charset="0"/>
                 <a:ea typeface="Times New Roman Bold"/>
-                <a:cs typeface="Times New Roman Bold"/>
+                <a:cs typeface="Times New Roman" panose="02020603050405020304" pitchFamily="18" charset="0"/>
                 <a:sym typeface="Times New Roman Bold"/>
               </a:rPr>
               <a:t>Team Name (Registered on portal)</a:t>
             </a:r>
           </a:p>
           <a:p>
-            <a:pPr algn="l" marL="866895" indent="-433447" lvl="1">
+            <a:pPr marL="866895" lvl="1" indent="-433447" algn="l">
               <a:lnSpc>
                 <a:spcPts val="5621"/>
               </a:lnSpc>
@@ -3341,20 +3334,20 @@
               <a:buChar char="•"/>
             </a:pPr>
             <a:r>
-              <a:rPr lang="en-US" b="true" sz="4015">
+              <a:rPr lang="en-US" sz="4015" b="1" dirty="0">
                 <a:solidFill>
                   <a:srgbClr val="000000"/>
                 </a:solidFill>
-                <a:latin typeface="Times New Roman Bold"/>
+                <a:latin typeface="Times New Roman" panose="02020603050405020304" pitchFamily="18" charset="0"/>
                 <a:ea typeface="Times New Roman Bold"/>
-                <a:cs typeface="Times New Roman Bold"/>
+                <a:cs typeface="Times New Roman" panose="02020603050405020304" pitchFamily="18" charset="0"/>
                 <a:sym typeface="Times New Roman Bold"/>
               </a:rPr>
-              <a:t>Team Number</a:t>
-            </a:r>
-          </a:p>
-          <a:p>
-            <a:pPr algn="l" marL="866895" indent="-433447" lvl="1">
+              <a:t>Problem Statement </a:t>
+            </a:r>
+          </a:p>
+          <a:p>
+            <a:pPr marL="866895" lvl="1" indent="-433447" algn="l">
               <a:lnSpc>
                 <a:spcPts val="5621"/>
               </a:lnSpc>
@@ -3362,58 +3355,16 @@
               <a:buChar char="•"/>
             </a:pPr>
             <a:r>
-              <a:rPr lang="en-US" b="true" sz="4015">
+              <a:rPr lang="en-US" sz="4015" b="1" dirty="0">
                 <a:solidFill>
                   <a:srgbClr val="000000"/>
                 </a:solidFill>
-                <a:latin typeface="Times New Roman Bold"/>
+                <a:latin typeface="Times New Roman" panose="02020603050405020304" pitchFamily="18" charset="0"/>
                 <a:ea typeface="Times New Roman Bold"/>
-                <a:cs typeface="Times New Roman Bold"/>
-                <a:sym typeface="Times New Roman Bold"/>
-              </a:rPr>
-              <a:t>Problem Statement </a:t>
-            </a:r>
-          </a:p>
-          <a:p>
-            <a:pPr algn="l" marL="866895" indent="-433447" lvl="1">
-              <a:lnSpc>
-                <a:spcPts val="5621"/>
-              </a:lnSpc>
-              <a:buFont typeface="Arial"/>
-              <a:buChar char="•"/>
-            </a:pPr>
-            <a:r>
-              <a:rPr lang="en-US" b="true" sz="4015">
-                <a:solidFill>
-                  <a:srgbClr val="000000"/>
-                </a:solidFill>
-                <a:latin typeface="Times New Roman Bold"/>
-                <a:ea typeface="Times New Roman Bold"/>
-                <a:cs typeface="Times New Roman Bold"/>
+                <a:cs typeface="Times New Roman" panose="02020603050405020304" pitchFamily="18" charset="0"/>
                 <a:sym typeface="Times New Roman Bold"/>
               </a:rPr>
               <a:t>Problem Statement Title</a:t>
-            </a:r>
-          </a:p>
-          <a:p>
-            <a:pPr algn="l" marL="866895" indent="-433447" lvl="1">
-              <a:lnSpc>
-                <a:spcPts val="5621"/>
-              </a:lnSpc>
-              <a:buFont typeface="Arial"/>
-              <a:buChar char="•"/>
-            </a:pPr>
-            <a:r>
-              <a:rPr lang="en-US" b="true" sz="4015">
-                <a:solidFill>
-                  <a:srgbClr val="000000"/>
-                </a:solidFill>
-                <a:latin typeface="Times New Roman Bold"/>
-                <a:ea typeface="Times New Roman Bold"/>
-                <a:cs typeface="Times New Roman Bold"/>
-                <a:sym typeface="Times New Roman Bold"/>
-              </a:rPr>
-              <a:t> GitHub repository link </a:t>
             </a:r>
           </a:p>
         </p:txBody>
@@ -3427,7 +3378,7 @@
 </file>
 
 <file path=ppt/slides/slide2.xml><?xml version="1.0" encoding="utf-8"?>
-<p:sld xmlns:p="http://schemas.openxmlformats.org/presentationml/2006/main" xmlns:a="http://schemas.openxmlformats.org/drawingml/2006/main" xmlns:r="http://schemas.openxmlformats.org/officeDocument/2006/relationships">
+<p:sld xmlns:a="http://schemas.openxmlformats.org/drawingml/2006/main" xmlns:r="http://schemas.openxmlformats.org/officeDocument/2006/relationships" xmlns:p="http://schemas.openxmlformats.org/presentationml/2006/main">
   <p:cSld>
     <p:spTree>
       <p:nvGrpSpPr>
@@ -3445,12 +3396,12 @@
       </p:grpSpPr>
       <p:sp>
         <p:nvSpPr>
-          <p:cNvPr name="Freeform 2" id="2"/>
+          <p:cNvPr id="2" name="Freeform 2"/>
           <p:cNvSpPr/>
           <p:nvPr/>
         </p:nvSpPr>
         <p:spPr>
-          <a:xfrm flipH="false" flipV="false" rot="0">
+          <a:xfrm>
             <a:off x="12675323" y="0"/>
             <a:ext cx="5612677" cy="725655"/>
           </a:xfrm>
@@ -3459,9 +3410,9 @@
             <a:gdLst/>
             <a:ahLst/>
             <a:cxnLst/>
-            <a:rect r="r" b="b" t="t" l="l"/>
+            <a:rect l="l" t="t" r="r" b="b"/>
             <a:pathLst>
-              <a:path h="725655" w="5612677">
+              <a:path w="5612677" h="725655">
                 <a:moveTo>
                   <a:pt x="0" y="0"/>
                 </a:moveTo>
@@ -3484,28 +3435,28 @@
           <a:blipFill>
             <a:blip r:embed="rId2"/>
             <a:stretch>
-              <a:fillRect l="0" t="-12748" r="0" b="-14873"/>
+              <a:fillRect t="-12748" b="-14873"/>
             </a:stretch>
           </a:blipFill>
         </p:spPr>
       </p:sp>
       <p:sp>
         <p:nvSpPr>
-          <p:cNvPr name="TextBox 3" id="3"/>
-          <p:cNvSpPr txBox="true"/>
+          <p:cNvPr id="3" name="TextBox 3"/>
+          <p:cNvSpPr txBox="1"/>
           <p:nvPr/>
         </p:nvSpPr>
         <p:spPr>
-          <a:xfrm rot="0">
-            <a:off x="1838919" y="2845876"/>
-            <a:ext cx="7958501" cy="4490474"/>
+          <a:xfrm>
+            <a:off x="1838919" y="2836351"/>
+            <a:ext cx="7958501" cy="4499999"/>
           </a:xfrm>
           <a:prstGeom prst="rect">
             <a:avLst/>
           </a:prstGeom>
         </p:spPr>
         <p:txBody>
-          <a:bodyPr anchor="t" rtlCol="false" tIns="0" lIns="0" bIns="0" rIns="0">
+          <a:bodyPr lIns="0" tIns="0" rIns="0" bIns="0" rtlCol="0" anchor="t">
             <a:spAutoFit/>
           </a:bodyPr>
           <a:lstStyle/>
@@ -3518,6 +3469,7 @@
                 <a:spcPct val="0"/>
               </a:spcBef>
             </a:pPr>
+            <a:endParaRPr dirty="0"/>
           </a:p>
           <a:p>
             <a:pPr algn="l">
@@ -3529,7 +3481,7 @@
               </a:spcBef>
             </a:pPr>
             <a:r>
-              <a:rPr lang="en-US" sz="2822">
+              <a:rPr lang="en-US" sz="2822" dirty="0">
                 <a:solidFill>
                   <a:srgbClr val="000000"/>
                 </a:solidFill>
@@ -3550,6 +3502,15 @@
                 <a:spcPct val="0"/>
               </a:spcBef>
             </a:pPr>
+            <a:endParaRPr lang="en-US" sz="2822" dirty="0">
+              <a:solidFill>
+                <a:srgbClr val="000000"/>
+              </a:solidFill>
+              <a:latin typeface="Times New Roman"/>
+              <a:ea typeface="Times New Roman"/>
+              <a:cs typeface="Times New Roman"/>
+              <a:sym typeface="Times New Roman"/>
+            </a:endParaRPr>
           </a:p>
           <a:p>
             <a:pPr algn="l">
@@ -3560,6 +3521,15 @@
                 <a:spcPct val="0"/>
               </a:spcBef>
             </a:pPr>
+            <a:endParaRPr lang="en-US" sz="2822" dirty="0">
+              <a:solidFill>
+                <a:srgbClr val="000000"/>
+              </a:solidFill>
+              <a:latin typeface="Times New Roman"/>
+              <a:ea typeface="Times New Roman"/>
+              <a:cs typeface="Times New Roman"/>
+              <a:sym typeface="Times New Roman"/>
+            </a:endParaRPr>
           </a:p>
           <a:p>
             <a:pPr algn="l">
@@ -3570,6 +3540,15 @@
                 <a:spcPct val="0"/>
               </a:spcBef>
             </a:pPr>
+            <a:endParaRPr lang="en-US" sz="2822" dirty="0">
+              <a:solidFill>
+                <a:srgbClr val="000000"/>
+              </a:solidFill>
+              <a:latin typeface="Times New Roman"/>
+              <a:ea typeface="Times New Roman"/>
+              <a:cs typeface="Times New Roman"/>
+              <a:sym typeface="Times New Roman"/>
+            </a:endParaRPr>
           </a:p>
           <a:p>
             <a:pPr algn="l">
@@ -3581,7 +3560,7 @@
               </a:spcBef>
             </a:pPr>
             <a:r>
-              <a:rPr lang="en-US" sz="2822">
+              <a:rPr lang="en-US" sz="2822" dirty="0">
                 <a:solidFill>
                   <a:srgbClr val="000000"/>
                 </a:solidFill>
@@ -3594,7 +3573,7 @@
             </a:r>
           </a:p>
           <a:p>
-            <a:pPr algn="l" marL="609484" indent="-304742" lvl="1">
+            <a:pPr marL="609484" lvl="1" indent="-304742" algn="l">
               <a:lnSpc>
                 <a:spcPts val="3952"/>
               </a:lnSpc>
@@ -3602,7 +3581,7 @@
               <a:buChar char="•"/>
             </a:pPr>
             <a:r>
-              <a:rPr lang="en-US" sz="2822">
+              <a:rPr lang="en-US" sz="2822" dirty="0">
                 <a:solidFill>
                   <a:srgbClr val="000000"/>
                 </a:solidFill>
@@ -3615,7 +3594,7 @@
             </a:r>
           </a:p>
           <a:p>
-            <a:pPr algn="l" marL="609484" indent="-304742" lvl="1">
+            <a:pPr marL="609484" lvl="1" indent="-304742" algn="l">
               <a:lnSpc>
                 <a:spcPts val="3952"/>
               </a:lnSpc>
@@ -3623,7 +3602,7 @@
               <a:buChar char="•"/>
             </a:pPr>
             <a:r>
-              <a:rPr lang="en-US" sz="2822">
+              <a:rPr lang="en-US" sz="2822" dirty="0">
                 <a:solidFill>
                   <a:srgbClr val="000000"/>
                 </a:solidFill>
@@ -3636,7 +3615,7 @@
             </a:r>
           </a:p>
           <a:p>
-            <a:pPr algn="l" marL="609484" indent="-304742" lvl="1">
+            <a:pPr marL="609484" lvl="1" indent="-304742" algn="l">
               <a:lnSpc>
                 <a:spcPts val="3952"/>
               </a:lnSpc>
@@ -3644,7 +3623,7 @@
               <a:buChar char="•"/>
             </a:pPr>
             <a:r>
-              <a:rPr lang="en-US" sz="2822">
+              <a:rPr lang="en-US" sz="2822" dirty="0">
                 <a:solidFill>
                   <a:srgbClr val="000000"/>
                 </a:solidFill>
@@ -3660,21 +3639,21 @@
       </p:sp>
       <p:sp>
         <p:nvSpPr>
-          <p:cNvPr name="TextBox 4" id="4"/>
-          <p:cNvSpPr txBox="true"/>
+          <p:cNvPr id="4" name="TextBox 4"/>
+          <p:cNvSpPr txBox="1"/>
           <p:nvPr/>
         </p:nvSpPr>
         <p:spPr>
-          <a:xfrm rot="0">
+          <a:xfrm>
             <a:off x="7462507" y="885825"/>
-            <a:ext cx="3362986" cy="680741"/>
+            <a:ext cx="3362986" cy="588366"/>
           </a:xfrm>
           <a:prstGeom prst="rect">
             <a:avLst/>
           </a:prstGeom>
         </p:spPr>
         <p:txBody>
-          <a:bodyPr anchor="t" rtlCol="false" tIns="0" lIns="0" bIns="0" rIns="0">
+          <a:bodyPr lIns="0" tIns="0" rIns="0" bIns="0" rtlCol="0" anchor="t">
             <a:spAutoFit/>
           </a:bodyPr>
           <a:lstStyle/>
@@ -3688,7 +3667,7 @@
               </a:spcBef>
             </a:pPr>
             <a:r>
-              <a:rPr lang="en-US" sz="3576">
+              <a:rPr lang="en-US" sz="3576" b="1" dirty="0">
                 <a:solidFill>
                   <a:srgbClr val="000000"/>
                 </a:solidFill>
@@ -3700,13 +3679,13 @@
               <a:t> </a:t>
             </a:r>
             <a:r>
-              <a:rPr lang="en-US" b="true" sz="3576">
+              <a:rPr lang="en-US" sz="3576" b="1" dirty="0">
                 <a:solidFill>
                   <a:srgbClr val="000000"/>
                 </a:solidFill>
-                <a:latin typeface="Times New Roman Bold"/>
+                <a:latin typeface="Times New Roman" panose="02020603050405020304" pitchFamily="18" charset="0"/>
                 <a:ea typeface="Times New Roman Bold"/>
-                <a:cs typeface="Times New Roman Bold"/>
+                <a:cs typeface="Times New Roman" panose="02020603050405020304" pitchFamily="18" charset="0"/>
                 <a:sym typeface="Times New Roman Bold"/>
               </a:rPr>
               <a:t>Innovation</a:t>
@@ -3716,12 +3695,12 @@
       </p:sp>
       <p:grpSp>
         <p:nvGrpSpPr>
-          <p:cNvPr name="Group 5" id="5"/>
+          <p:cNvPr id="5" name="Group 5"/>
           <p:cNvGrpSpPr/>
           <p:nvPr/>
         </p:nvGrpSpPr>
         <p:grpSpPr>
-          <a:xfrm rot="0">
+          <a:xfrm>
             <a:off x="0" y="0"/>
             <a:ext cx="18288000" cy="725655"/>
             <a:chOff x="0" y="0"/>
@@ -3730,12 +3709,12 @@
         </p:grpSpPr>
         <p:sp>
           <p:nvSpPr>
-            <p:cNvPr name="Freeform 6" id="6"/>
+            <p:cNvPr id="6" name="Freeform 6"/>
             <p:cNvSpPr/>
             <p:nvPr/>
           </p:nvSpPr>
           <p:spPr>
-            <a:xfrm flipH="false" flipV="false" rot="0">
+            <a:xfrm>
               <a:off x="0" y="0"/>
               <a:ext cx="4816592" cy="191119"/>
             </a:xfrm>
@@ -3744,9 +3723,9 @@
               <a:gdLst/>
               <a:ahLst/>
               <a:cxnLst/>
-              <a:rect r="r" b="b" t="t" l="l"/>
+              <a:rect l="l" t="t" r="r" b="b"/>
               <a:pathLst>
-                <a:path h="191119" w="4816592">
+                <a:path w="4816592" h="191119">
                   <a:moveTo>
                     <a:pt x="0" y="0"/>
                   </a:moveTo>
@@ -3770,8 +3749,8 @@
         </p:sp>
         <p:sp>
           <p:nvSpPr>
-            <p:cNvPr name="TextBox 7" id="7"/>
-            <p:cNvSpPr txBox="true"/>
+            <p:cNvPr id="7" name="TextBox 7"/>
+            <p:cNvSpPr txBox="1"/>
             <p:nvPr/>
           </p:nvSpPr>
           <p:spPr>
@@ -3784,7 +3763,7 @@
             </a:prstGeom>
           </p:spPr>
           <p:txBody>
-            <a:bodyPr anchor="ctr" rtlCol="false" tIns="50800" lIns="50800" bIns="50800" rIns="50800"/>
+            <a:bodyPr lIns="50800" tIns="50800" rIns="50800" bIns="50800" rtlCol="0" anchor="ctr"/>
             <a:lstStyle/>
             <a:p>
               <a:pPr algn="ctr">
@@ -3795,18 +3774,19 @@
                   <a:spcPct val="0"/>
                 </a:spcBef>
               </a:pPr>
+              <a:endParaRPr/>
             </a:p>
           </p:txBody>
         </p:sp>
       </p:grpSp>
       <p:grpSp>
         <p:nvGrpSpPr>
-          <p:cNvPr name="Group 8" id="8"/>
+          <p:cNvPr id="8" name="Group 8"/>
           <p:cNvGrpSpPr/>
           <p:nvPr/>
         </p:nvGrpSpPr>
         <p:grpSpPr>
-          <a:xfrm rot="0">
+          <a:xfrm>
             <a:off x="0" y="9565199"/>
             <a:ext cx="18288000" cy="725655"/>
             <a:chOff x="0" y="0"/>
@@ -3815,12 +3795,12 @@
         </p:grpSpPr>
         <p:sp>
           <p:nvSpPr>
-            <p:cNvPr name="Freeform 9" id="9"/>
+            <p:cNvPr id="9" name="Freeform 9"/>
             <p:cNvSpPr/>
             <p:nvPr/>
           </p:nvSpPr>
           <p:spPr>
-            <a:xfrm flipH="false" flipV="false" rot="0">
+            <a:xfrm>
               <a:off x="0" y="0"/>
               <a:ext cx="4816592" cy="191119"/>
             </a:xfrm>
@@ -3829,9 +3809,9 @@
               <a:gdLst/>
               <a:ahLst/>
               <a:cxnLst/>
-              <a:rect r="r" b="b" t="t" l="l"/>
+              <a:rect l="l" t="t" r="r" b="b"/>
               <a:pathLst>
-                <a:path h="191119" w="4816592">
+                <a:path w="4816592" h="191119">
                   <a:moveTo>
                     <a:pt x="0" y="0"/>
                   </a:moveTo>
@@ -3855,8 +3835,8 @@
         </p:sp>
         <p:sp>
           <p:nvSpPr>
-            <p:cNvPr name="TextBox 10" id="10"/>
-            <p:cNvSpPr txBox="true"/>
+            <p:cNvPr id="10" name="TextBox 10"/>
+            <p:cNvSpPr txBox="1"/>
             <p:nvPr/>
           </p:nvSpPr>
           <p:spPr>
@@ -3869,7 +3849,7 @@
             </a:prstGeom>
           </p:spPr>
           <p:txBody>
-            <a:bodyPr anchor="ctr" rtlCol="false" tIns="50800" lIns="50800" bIns="50800" rIns="50800"/>
+            <a:bodyPr lIns="50800" tIns="50800" rIns="50800" bIns="50800" rtlCol="0" anchor="ctr"/>
             <a:lstStyle/>
             <a:p>
               <a:pPr algn="ctr">
@@ -3880,18 +3860,19 @@
                   <a:spcPct val="0"/>
                 </a:spcBef>
               </a:pPr>
+              <a:endParaRPr/>
             </a:p>
           </p:txBody>
         </p:sp>
       </p:grpSp>
       <p:sp>
         <p:nvSpPr>
-          <p:cNvPr name="Freeform 11" id="11"/>
+          <p:cNvPr id="11" name="Freeform 11"/>
           <p:cNvSpPr/>
           <p:nvPr/>
         </p:nvSpPr>
         <p:spPr>
-          <a:xfrm flipH="false" flipV="false" rot="0">
+          <a:xfrm>
             <a:off x="12675323" y="0"/>
             <a:ext cx="5612677" cy="725655"/>
           </a:xfrm>
@@ -3900,9 +3881,9 @@
             <a:gdLst/>
             <a:ahLst/>
             <a:cxnLst/>
-            <a:rect r="r" b="b" t="t" l="l"/>
+            <a:rect l="l" t="t" r="r" b="b"/>
             <a:pathLst>
-              <a:path h="725655" w="5612677">
+              <a:path w="5612677" h="725655">
                 <a:moveTo>
                   <a:pt x="0" y="0"/>
                 </a:moveTo>
@@ -3925,7 +3906,7 @@
           <a:blipFill>
             <a:blip r:embed="rId2"/>
             <a:stretch>
-              <a:fillRect l="0" t="-12748" r="0" b="-14873"/>
+              <a:fillRect t="-12748" b="-14873"/>
             </a:stretch>
           </a:blipFill>
         </p:spPr>
@@ -3939,7 +3920,7 @@
 </file>
 
 <file path=ppt/slides/slide3.xml><?xml version="1.0" encoding="utf-8"?>
-<p:sld xmlns:p="http://schemas.openxmlformats.org/presentationml/2006/main" xmlns:a="http://schemas.openxmlformats.org/drawingml/2006/main" xmlns:r="http://schemas.openxmlformats.org/officeDocument/2006/relationships">
+<p:sld xmlns:a="http://schemas.openxmlformats.org/drawingml/2006/main" xmlns:r="http://schemas.openxmlformats.org/officeDocument/2006/relationships" xmlns:p="http://schemas.openxmlformats.org/presentationml/2006/main">
   <p:cSld>
     <p:spTree>
       <p:nvGrpSpPr>
@@ -3957,12 +3938,12 @@
       </p:grpSpPr>
       <p:grpSp>
         <p:nvGrpSpPr>
-          <p:cNvPr name="Group 2" id="2"/>
+          <p:cNvPr id="2" name="Group 2"/>
           <p:cNvGrpSpPr/>
           <p:nvPr/>
         </p:nvGrpSpPr>
         <p:grpSpPr>
-          <a:xfrm rot="0">
+          <a:xfrm>
             <a:off x="0" y="9612018"/>
             <a:ext cx="18288000" cy="674982"/>
             <a:chOff x="0" y="0"/>
@@ -3971,12 +3952,12 @@
         </p:grpSpPr>
         <p:sp>
           <p:nvSpPr>
-            <p:cNvPr name="Freeform 3" id="3"/>
+            <p:cNvPr id="3" name="Freeform 3"/>
             <p:cNvSpPr/>
             <p:nvPr/>
           </p:nvSpPr>
           <p:spPr>
-            <a:xfrm flipH="false" flipV="false" rot="0">
+            <a:xfrm>
               <a:off x="0" y="0"/>
               <a:ext cx="4816592" cy="177773"/>
             </a:xfrm>
@@ -3985,9 +3966,9 @@
               <a:gdLst/>
               <a:ahLst/>
               <a:cxnLst/>
-              <a:rect r="r" b="b" t="t" l="l"/>
+              <a:rect l="l" t="t" r="r" b="b"/>
               <a:pathLst>
-                <a:path h="177773" w="4816592">
+                <a:path w="4816592" h="177773">
                   <a:moveTo>
                     <a:pt x="0" y="0"/>
                   </a:moveTo>
@@ -4011,8 +3992,8 @@
         </p:sp>
         <p:sp>
           <p:nvSpPr>
-            <p:cNvPr name="TextBox 4" id="4"/>
-            <p:cNvSpPr txBox="true"/>
+            <p:cNvPr id="4" name="TextBox 4"/>
+            <p:cNvSpPr txBox="1"/>
             <p:nvPr/>
           </p:nvSpPr>
           <p:spPr>
@@ -4025,7 +4006,7 @@
             </a:prstGeom>
           </p:spPr>
           <p:txBody>
-            <a:bodyPr anchor="ctr" rtlCol="false" tIns="50800" lIns="50800" bIns="50800" rIns="50800"/>
+            <a:bodyPr lIns="50800" tIns="50800" rIns="50800" bIns="50800" rtlCol="0" anchor="ctr"/>
             <a:lstStyle/>
             <a:p>
               <a:pPr algn="ctr">
@@ -4036,18 +4017,19 @@
                   <a:spcPct val="0"/>
                 </a:spcBef>
               </a:pPr>
+              <a:endParaRPr/>
             </a:p>
           </p:txBody>
         </p:sp>
       </p:grpSp>
       <p:grpSp>
         <p:nvGrpSpPr>
-          <p:cNvPr name="Group 5" id="5"/>
+          <p:cNvPr id="5" name="Group 5"/>
           <p:cNvGrpSpPr/>
           <p:nvPr/>
         </p:nvGrpSpPr>
         <p:grpSpPr>
-          <a:xfrm rot="0">
+          <a:xfrm>
             <a:off x="0" y="0"/>
             <a:ext cx="18288000" cy="725655"/>
             <a:chOff x="0" y="0"/>
@@ -4056,12 +4038,12 @@
         </p:grpSpPr>
         <p:sp>
           <p:nvSpPr>
-            <p:cNvPr name="Freeform 6" id="6"/>
+            <p:cNvPr id="6" name="Freeform 6"/>
             <p:cNvSpPr/>
             <p:nvPr/>
           </p:nvSpPr>
           <p:spPr>
-            <a:xfrm flipH="false" flipV="false" rot="0">
+            <a:xfrm>
               <a:off x="0" y="0"/>
               <a:ext cx="4816592" cy="191119"/>
             </a:xfrm>
@@ -4070,9 +4052,9 @@
               <a:gdLst/>
               <a:ahLst/>
               <a:cxnLst/>
-              <a:rect r="r" b="b" t="t" l="l"/>
+              <a:rect l="l" t="t" r="r" b="b"/>
               <a:pathLst>
-                <a:path h="191119" w="4816592">
+                <a:path w="4816592" h="191119">
                   <a:moveTo>
                     <a:pt x="0" y="0"/>
                   </a:moveTo>
@@ -4096,8 +4078,8 @@
         </p:sp>
         <p:sp>
           <p:nvSpPr>
-            <p:cNvPr name="TextBox 7" id="7"/>
-            <p:cNvSpPr txBox="true"/>
+            <p:cNvPr id="7" name="TextBox 7"/>
+            <p:cNvSpPr txBox="1"/>
             <p:nvPr/>
           </p:nvSpPr>
           <p:spPr>
@@ -4110,7 +4092,7 @@
             </a:prstGeom>
           </p:spPr>
           <p:txBody>
-            <a:bodyPr anchor="ctr" rtlCol="false" tIns="50800" lIns="50800" bIns="50800" rIns="50800"/>
+            <a:bodyPr lIns="50800" tIns="50800" rIns="50800" bIns="50800" rtlCol="0" anchor="ctr"/>
             <a:lstStyle/>
             <a:p>
               <a:pPr algn="ctr">
@@ -4121,18 +4103,19 @@
                   <a:spcPct val="0"/>
                 </a:spcBef>
               </a:pPr>
+              <a:endParaRPr/>
             </a:p>
           </p:txBody>
         </p:sp>
       </p:grpSp>
       <p:sp>
         <p:nvSpPr>
-          <p:cNvPr name="Freeform 8" id="8"/>
+          <p:cNvPr id="8" name="Freeform 8"/>
           <p:cNvSpPr/>
           <p:nvPr/>
         </p:nvSpPr>
         <p:spPr>
-          <a:xfrm flipH="false" flipV="false" rot="0">
+          <a:xfrm>
             <a:off x="12675323" y="0"/>
             <a:ext cx="5612677" cy="725655"/>
           </a:xfrm>
@@ -4141,9 +4124,9 @@
             <a:gdLst/>
             <a:ahLst/>
             <a:cxnLst/>
-            <a:rect r="r" b="b" t="t" l="l"/>
+            <a:rect l="l" t="t" r="r" b="b"/>
             <a:pathLst>
-              <a:path h="725655" w="5612677">
+              <a:path w="5612677" h="725655">
                 <a:moveTo>
                   <a:pt x="0" y="0"/>
                 </a:moveTo>
@@ -4166,19 +4149,19 @@
           <a:blipFill>
             <a:blip r:embed="rId2"/>
             <a:stretch>
-              <a:fillRect l="0" t="-12748" r="0" b="-14873"/>
+              <a:fillRect t="-12748" b="-14873"/>
             </a:stretch>
           </a:blipFill>
         </p:spPr>
       </p:sp>
       <p:sp>
         <p:nvSpPr>
-          <p:cNvPr name="TextBox 9" id="9"/>
-          <p:cNvSpPr txBox="true"/>
+          <p:cNvPr id="9" name="TextBox 9"/>
+          <p:cNvSpPr txBox="1"/>
           <p:nvPr/>
         </p:nvSpPr>
         <p:spPr>
-          <a:xfrm rot="0">
+          <a:xfrm>
             <a:off x="1650774" y="3401605"/>
             <a:ext cx="10240368" cy="4071461"/>
           </a:xfrm>
@@ -4187,7 +4170,7 @@
           </a:prstGeom>
         </p:spPr>
         <p:txBody>
-          <a:bodyPr anchor="t" rtlCol="false" tIns="0" lIns="0" bIns="0" rIns="0">
+          <a:bodyPr lIns="0" tIns="0" rIns="0" bIns="0" rtlCol="0" anchor="t">
             <a:spAutoFit/>
           </a:bodyPr>
           <a:lstStyle/>
@@ -4222,6 +4205,15 @@
                 <a:spcPct val="0"/>
               </a:spcBef>
             </a:pPr>
+            <a:endParaRPr lang="en-US" sz="2841">
+              <a:solidFill>
+                <a:srgbClr val="000000"/>
+              </a:solidFill>
+              <a:latin typeface="Times New Roman"/>
+              <a:ea typeface="Times New Roman"/>
+              <a:cs typeface="Times New Roman"/>
+              <a:sym typeface="Times New Roman"/>
+            </a:endParaRPr>
           </a:p>
           <a:p>
             <a:pPr algn="l">
@@ -4232,6 +4224,15 @@
                 <a:spcPct val="0"/>
               </a:spcBef>
             </a:pPr>
+            <a:endParaRPr lang="en-US" sz="2841">
+              <a:solidFill>
+                <a:srgbClr val="000000"/>
+              </a:solidFill>
+              <a:latin typeface="Times New Roman"/>
+              <a:ea typeface="Times New Roman"/>
+              <a:cs typeface="Times New Roman"/>
+              <a:sym typeface="Times New Roman"/>
+            </a:endParaRPr>
           </a:p>
           <a:p>
             <a:pPr algn="l">
@@ -4242,6 +4243,15 @@
                 <a:spcPct val="0"/>
               </a:spcBef>
             </a:pPr>
+            <a:endParaRPr lang="en-US" sz="2841">
+              <a:solidFill>
+                <a:srgbClr val="000000"/>
+              </a:solidFill>
+              <a:latin typeface="Times New Roman"/>
+              <a:ea typeface="Times New Roman"/>
+              <a:cs typeface="Times New Roman"/>
+              <a:sym typeface="Times New Roman"/>
+            </a:endParaRPr>
           </a:p>
           <a:p>
             <a:pPr algn="l">
@@ -4266,7 +4276,7 @@
             </a:r>
           </a:p>
           <a:p>
-            <a:pPr algn="l" marL="613522" indent="-306761" lvl="1">
+            <a:pPr marL="613522" lvl="1" indent="-306761" algn="l">
               <a:lnSpc>
                 <a:spcPts val="3978"/>
               </a:lnSpc>
@@ -4287,7 +4297,7 @@
             </a:r>
           </a:p>
           <a:p>
-            <a:pPr algn="l" marL="613522" indent="-306761" lvl="1">
+            <a:pPr marL="613522" lvl="1" indent="-306761" algn="l">
               <a:lnSpc>
                 <a:spcPts val="3978"/>
               </a:lnSpc>
@@ -4308,7 +4318,7 @@
             </a:r>
           </a:p>
           <a:p>
-            <a:pPr algn="l" marL="613522" indent="-306761" lvl="1">
+            <a:pPr marL="613522" lvl="1" indent="-306761" algn="l">
               <a:lnSpc>
                 <a:spcPts val="3978"/>
               </a:lnSpc>
@@ -4332,21 +4342,21 @@
       </p:sp>
       <p:sp>
         <p:nvSpPr>
-          <p:cNvPr name="TextBox 10" id="10"/>
-          <p:cNvSpPr txBox="true"/>
+          <p:cNvPr id="10" name="TextBox 10"/>
+          <p:cNvSpPr txBox="1"/>
           <p:nvPr/>
         </p:nvSpPr>
         <p:spPr>
-          <a:xfrm rot="0">
+          <a:xfrm>
             <a:off x="7516812" y="895350"/>
-            <a:ext cx="3254375" cy="663576"/>
+            <a:ext cx="3913188" cy="576504"/>
           </a:xfrm>
           <a:prstGeom prst="rect">
             <a:avLst/>
           </a:prstGeom>
         </p:spPr>
         <p:txBody>
-          <a:bodyPr anchor="t" rtlCol="false" tIns="0" lIns="0" bIns="0" rIns="0">
+          <a:bodyPr wrap="square" lIns="0" tIns="0" rIns="0" bIns="0" rtlCol="0" anchor="t">
             <a:spAutoFit/>
           </a:bodyPr>
           <a:lstStyle/>
@@ -4360,13 +4370,13 @@
               </a:spcBef>
             </a:pPr>
             <a:r>
-              <a:rPr lang="en-US" b="true" sz="3499">
+              <a:rPr lang="en-US" sz="3499" b="1" dirty="0">
                 <a:solidFill>
                   <a:srgbClr val="000000"/>
                 </a:solidFill>
-                <a:latin typeface="Times New Roman Bold"/>
+                <a:latin typeface="Times New Roman" panose="02020603050405020304" pitchFamily="18" charset="0"/>
                 <a:ea typeface="Times New Roman Bold"/>
-                <a:cs typeface="Times New Roman Bold"/>
+                <a:cs typeface="Times New Roman" panose="02020603050405020304" pitchFamily="18" charset="0"/>
                 <a:sym typeface="Times New Roman Bold"/>
               </a:rPr>
               <a:t>Idea Presentation</a:t>
@@ -4383,7 +4393,7 @@
 </file>
 
 <file path=ppt/slides/slide4.xml><?xml version="1.0" encoding="utf-8"?>
-<p:sld xmlns:p="http://schemas.openxmlformats.org/presentationml/2006/main" xmlns:a="http://schemas.openxmlformats.org/drawingml/2006/main" xmlns:r="http://schemas.openxmlformats.org/officeDocument/2006/relationships">
+<p:sld xmlns:a="http://schemas.openxmlformats.org/drawingml/2006/main" xmlns:r="http://schemas.openxmlformats.org/officeDocument/2006/relationships" xmlns:p="http://schemas.openxmlformats.org/presentationml/2006/main">
   <p:cSld>
     <p:spTree>
       <p:nvGrpSpPr>
@@ -4401,12 +4411,12 @@
       </p:grpSpPr>
       <p:grpSp>
         <p:nvGrpSpPr>
-          <p:cNvPr name="Group 2" id="2"/>
+          <p:cNvPr id="2" name="Group 2"/>
           <p:cNvGrpSpPr/>
           <p:nvPr/>
         </p:nvGrpSpPr>
         <p:grpSpPr>
-          <a:xfrm rot="0">
+          <a:xfrm>
             <a:off x="0" y="9612018"/>
             <a:ext cx="18288000" cy="674982"/>
             <a:chOff x="0" y="0"/>
@@ -4415,12 +4425,12 @@
         </p:grpSpPr>
         <p:sp>
           <p:nvSpPr>
-            <p:cNvPr name="Freeform 3" id="3"/>
+            <p:cNvPr id="3" name="Freeform 3"/>
             <p:cNvSpPr/>
             <p:nvPr/>
           </p:nvSpPr>
           <p:spPr>
-            <a:xfrm flipH="false" flipV="false" rot="0">
+            <a:xfrm>
               <a:off x="0" y="0"/>
               <a:ext cx="4816592" cy="177773"/>
             </a:xfrm>
@@ -4429,9 +4439,9 @@
               <a:gdLst/>
               <a:ahLst/>
               <a:cxnLst/>
-              <a:rect r="r" b="b" t="t" l="l"/>
+              <a:rect l="l" t="t" r="r" b="b"/>
               <a:pathLst>
-                <a:path h="177773" w="4816592">
+                <a:path w="4816592" h="177773">
                   <a:moveTo>
                     <a:pt x="0" y="0"/>
                   </a:moveTo>
@@ -4455,8 +4465,8 @@
         </p:sp>
         <p:sp>
           <p:nvSpPr>
-            <p:cNvPr name="TextBox 4" id="4"/>
-            <p:cNvSpPr txBox="true"/>
+            <p:cNvPr id="4" name="TextBox 4"/>
+            <p:cNvSpPr txBox="1"/>
             <p:nvPr/>
           </p:nvSpPr>
           <p:spPr>
@@ -4469,7 +4479,7 @@
             </a:prstGeom>
           </p:spPr>
           <p:txBody>
-            <a:bodyPr anchor="ctr" rtlCol="false" tIns="50800" lIns="50800" bIns="50800" rIns="50800"/>
+            <a:bodyPr lIns="50800" tIns="50800" rIns="50800" bIns="50800" rtlCol="0" anchor="ctr"/>
             <a:lstStyle/>
             <a:p>
               <a:pPr algn="ctr">
@@ -4480,18 +4490,19 @@
                   <a:spcPct val="0"/>
                 </a:spcBef>
               </a:pPr>
+              <a:endParaRPr/>
             </a:p>
           </p:txBody>
         </p:sp>
       </p:grpSp>
       <p:grpSp>
         <p:nvGrpSpPr>
-          <p:cNvPr name="Group 5" id="5"/>
+          <p:cNvPr id="5" name="Group 5"/>
           <p:cNvGrpSpPr/>
           <p:nvPr/>
         </p:nvGrpSpPr>
         <p:grpSpPr>
-          <a:xfrm rot="0">
+          <a:xfrm>
             <a:off x="0" y="0"/>
             <a:ext cx="18288000" cy="725655"/>
             <a:chOff x="0" y="0"/>
@@ -4500,12 +4511,12 @@
         </p:grpSpPr>
         <p:sp>
           <p:nvSpPr>
-            <p:cNvPr name="Freeform 6" id="6"/>
+            <p:cNvPr id="6" name="Freeform 6"/>
             <p:cNvSpPr/>
             <p:nvPr/>
           </p:nvSpPr>
           <p:spPr>
-            <a:xfrm flipH="false" flipV="false" rot="0">
+            <a:xfrm>
               <a:off x="0" y="0"/>
               <a:ext cx="4816592" cy="191119"/>
             </a:xfrm>
@@ -4514,9 +4525,9 @@
               <a:gdLst/>
               <a:ahLst/>
               <a:cxnLst/>
-              <a:rect r="r" b="b" t="t" l="l"/>
+              <a:rect l="l" t="t" r="r" b="b"/>
               <a:pathLst>
-                <a:path h="191119" w="4816592">
+                <a:path w="4816592" h="191119">
                   <a:moveTo>
                     <a:pt x="0" y="0"/>
                   </a:moveTo>
@@ -4540,8 +4551,8 @@
         </p:sp>
         <p:sp>
           <p:nvSpPr>
-            <p:cNvPr name="TextBox 7" id="7"/>
-            <p:cNvSpPr txBox="true"/>
+            <p:cNvPr id="7" name="TextBox 7"/>
+            <p:cNvSpPr txBox="1"/>
             <p:nvPr/>
           </p:nvSpPr>
           <p:spPr>
@@ -4554,7 +4565,7 @@
             </a:prstGeom>
           </p:spPr>
           <p:txBody>
-            <a:bodyPr anchor="ctr" rtlCol="false" tIns="50800" lIns="50800" bIns="50800" rIns="50800"/>
+            <a:bodyPr lIns="50800" tIns="50800" rIns="50800" bIns="50800" rtlCol="0" anchor="ctr"/>
             <a:lstStyle/>
             <a:p>
               <a:pPr algn="ctr">
@@ -4565,18 +4576,19 @@
                   <a:spcPct val="0"/>
                 </a:spcBef>
               </a:pPr>
+              <a:endParaRPr/>
             </a:p>
           </p:txBody>
         </p:sp>
       </p:grpSp>
       <p:sp>
         <p:nvSpPr>
-          <p:cNvPr name="Freeform 8" id="8"/>
+          <p:cNvPr id="8" name="Freeform 8"/>
           <p:cNvSpPr/>
           <p:nvPr/>
         </p:nvSpPr>
         <p:spPr>
-          <a:xfrm flipH="false" flipV="false" rot="0">
+          <a:xfrm>
             <a:off x="12675323" y="0"/>
             <a:ext cx="5612677" cy="725655"/>
           </a:xfrm>
@@ -4585,9 +4597,9 @@
             <a:gdLst/>
             <a:ahLst/>
             <a:cxnLst/>
-            <a:rect r="r" b="b" t="t" l="l"/>
+            <a:rect l="l" t="t" r="r" b="b"/>
             <a:pathLst>
-              <a:path h="725655" w="5612677">
+              <a:path w="5612677" h="725655">
                 <a:moveTo>
                   <a:pt x="0" y="0"/>
                 </a:moveTo>
@@ -4610,19 +4622,19 @@
           <a:blipFill>
             <a:blip r:embed="rId2"/>
             <a:stretch>
-              <a:fillRect l="0" t="-12748" r="0" b="-14873"/>
+              <a:fillRect t="-12748" b="-14873"/>
             </a:stretch>
           </a:blipFill>
         </p:spPr>
       </p:sp>
       <p:sp>
         <p:nvSpPr>
-          <p:cNvPr name="TextBox 9" id="9"/>
-          <p:cNvSpPr txBox="true"/>
+          <p:cNvPr id="9" name="TextBox 9"/>
+          <p:cNvSpPr txBox="1"/>
           <p:nvPr/>
         </p:nvSpPr>
         <p:spPr>
-          <a:xfrm rot="0">
+          <a:xfrm>
             <a:off x="1422163" y="3446974"/>
             <a:ext cx="7999843" cy="4172222"/>
           </a:xfrm>
@@ -4631,7 +4643,7 @@
           </a:prstGeom>
         </p:spPr>
         <p:txBody>
-          <a:bodyPr anchor="t" rtlCol="false" tIns="0" lIns="0" bIns="0" rIns="0">
+          <a:bodyPr lIns="0" tIns="0" rIns="0" bIns="0" rtlCol="0" anchor="t">
             <a:spAutoFit/>
           </a:bodyPr>
           <a:lstStyle/>
@@ -4666,6 +4678,15 @@
                 <a:spcPct val="0"/>
               </a:spcBef>
             </a:pPr>
+            <a:endParaRPr lang="en-US" sz="2624">
+              <a:solidFill>
+                <a:srgbClr val="000000"/>
+              </a:solidFill>
+              <a:latin typeface="Times New Roman"/>
+              <a:ea typeface="Times New Roman"/>
+              <a:cs typeface="Times New Roman"/>
+              <a:sym typeface="Times New Roman"/>
+            </a:endParaRPr>
           </a:p>
           <a:p>
             <a:pPr algn="l">
@@ -4676,6 +4697,15 @@
                 <a:spcPct val="0"/>
               </a:spcBef>
             </a:pPr>
+            <a:endParaRPr lang="en-US" sz="2624">
+              <a:solidFill>
+                <a:srgbClr val="000000"/>
+              </a:solidFill>
+              <a:latin typeface="Times New Roman"/>
+              <a:ea typeface="Times New Roman"/>
+              <a:cs typeface="Times New Roman"/>
+              <a:sym typeface="Times New Roman"/>
+            </a:endParaRPr>
           </a:p>
           <a:p>
             <a:pPr algn="l">
@@ -4686,6 +4716,15 @@
                 <a:spcPct val="0"/>
               </a:spcBef>
             </a:pPr>
+            <a:endParaRPr lang="en-US" sz="2624">
+              <a:solidFill>
+                <a:srgbClr val="000000"/>
+              </a:solidFill>
+              <a:latin typeface="Times New Roman"/>
+              <a:ea typeface="Times New Roman"/>
+              <a:cs typeface="Times New Roman"/>
+              <a:sym typeface="Times New Roman"/>
+            </a:endParaRPr>
           </a:p>
           <a:p>
             <a:pPr algn="l">
@@ -4696,6 +4735,15 @@
                 <a:spcPct val="0"/>
               </a:spcBef>
             </a:pPr>
+            <a:endParaRPr lang="en-US" sz="2624">
+              <a:solidFill>
+                <a:srgbClr val="000000"/>
+              </a:solidFill>
+              <a:latin typeface="Times New Roman"/>
+              <a:ea typeface="Times New Roman"/>
+              <a:cs typeface="Times New Roman"/>
+              <a:sym typeface="Times New Roman"/>
+            </a:endParaRPr>
           </a:p>
           <a:p>
             <a:pPr algn="l">
@@ -4720,7 +4768,7 @@
             </a:r>
           </a:p>
           <a:p>
-            <a:pPr algn="l" marL="566679" indent="-283340" lvl="1">
+            <a:pPr marL="566679" lvl="1" indent="-283340" algn="l">
               <a:lnSpc>
                 <a:spcPts val="3674"/>
               </a:lnSpc>
@@ -4741,7 +4789,7 @@
             </a:r>
           </a:p>
           <a:p>
-            <a:pPr algn="l" marL="566679" indent="-283340" lvl="1">
+            <a:pPr marL="566679" lvl="1" indent="-283340" algn="l">
               <a:lnSpc>
                 <a:spcPts val="3674"/>
               </a:lnSpc>
@@ -4762,7 +4810,7 @@
             </a:r>
           </a:p>
           <a:p>
-            <a:pPr algn="l" marL="566679" indent="-283340" lvl="1">
+            <a:pPr marL="566679" lvl="1" indent="-283340" algn="l">
               <a:lnSpc>
                 <a:spcPts val="3674"/>
               </a:lnSpc>
@@ -4786,21 +4834,21 @@
       </p:sp>
       <p:sp>
         <p:nvSpPr>
-          <p:cNvPr name="TextBox 10" id="10"/>
-          <p:cNvSpPr txBox="true"/>
+          <p:cNvPr id="10" name="TextBox 10"/>
+          <p:cNvSpPr txBox="1"/>
           <p:nvPr/>
         </p:nvSpPr>
         <p:spPr>
-          <a:xfrm rot="0">
+          <a:xfrm>
             <a:off x="6862117" y="895350"/>
-            <a:ext cx="4792431" cy="663576"/>
+            <a:ext cx="5558483" cy="576504"/>
           </a:xfrm>
           <a:prstGeom prst="rect">
             <a:avLst/>
           </a:prstGeom>
         </p:spPr>
         <p:txBody>
-          <a:bodyPr anchor="t" rtlCol="false" tIns="0" lIns="0" bIns="0" rIns="0">
+          <a:bodyPr wrap="square" lIns="0" tIns="0" rIns="0" bIns="0" rtlCol="0" anchor="t">
             <a:spAutoFit/>
           </a:bodyPr>
           <a:lstStyle/>
@@ -4814,7 +4862,19 @@
               </a:spcBef>
             </a:pPr>
             <a:r>
-              <a:rPr lang="en-US" b="true" sz="3499">
+              <a:rPr lang="en-US" sz="3499" b="1" dirty="0">
+                <a:solidFill>
+                  <a:srgbClr val="000000"/>
+                </a:solidFill>
+                <a:latin typeface="Times New Roman" panose="02020603050405020304" pitchFamily="18" charset="0"/>
+                <a:ea typeface="Times New Roman Bold"/>
+                <a:cs typeface="Times New Roman" panose="02020603050405020304" pitchFamily="18" charset="0"/>
+                <a:sym typeface="Times New Roman Bold"/>
+              </a:rPr>
+              <a:t>Technical</a:t>
+            </a:r>
+            <a:r>
+              <a:rPr lang="en-US" sz="3499" b="1" dirty="0">
                 <a:solidFill>
                   <a:srgbClr val="000000"/>
                 </a:solidFill>
@@ -4823,7 +4883,7 @@
                 <a:cs typeface="Times New Roman Bold"/>
                 <a:sym typeface="Times New Roman Bold"/>
               </a:rPr>
-              <a:t>Technical Implementation</a:t>
+              <a:t> Implementation</a:t>
             </a:r>
           </a:p>
         </p:txBody>
@@ -4837,7 +4897,7 @@
 </file>
 
 <file path=ppt/slides/slide5.xml><?xml version="1.0" encoding="utf-8"?>
-<p:sld xmlns:p="http://schemas.openxmlformats.org/presentationml/2006/main" xmlns:a="http://schemas.openxmlformats.org/drawingml/2006/main" xmlns:r="http://schemas.openxmlformats.org/officeDocument/2006/relationships">
+<p:sld xmlns:a="http://schemas.openxmlformats.org/drawingml/2006/main" xmlns:r="http://schemas.openxmlformats.org/officeDocument/2006/relationships" xmlns:p="http://schemas.openxmlformats.org/presentationml/2006/main">
   <p:cSld>
     <p:spTree>
       <p:nvGrpSpPr>
@@ -4855,12 +4915,12 @@
       </p:grpSpPr>
       <p:grpSp>
         <p:nvGrpSpPr>
-          <p:cNvPr name="Group 2" id="2"/>
+          <p:cNvPr id="2" name="Group 2"/>
           <p:cNvGrpSpPr/>
           <p:nvPr/>
         </p:nvGrpSpPr>
         <p:grpSpPr>
-          <a:xfrm rot="0">
+          <a:xfrm>
             <a:off x="0" y="9612018"/>
             <a:ext cx="18288000" cy="674982"/>
             <a:chOff x="0" y="0"/>
@@ -4869,12 +4929,12 @@
         </p:grpSpPr>
         <p:sp>
           <p:nvSpPr>
-            <p:cNvPr name="Freeform 3" id="3"/>
+            <p:cNvPr id="3" name="Freeform 3"/>
             <p:cNvSpPr/>
             <p:nvPr/>
           </p:nvSpPr>
           <p:spPr>
-            <a:xfrm flipH="false" flipV="false" rot="0">
+            <a:xfrm>
               <a:off x="0" y="0"/>
               <a:ext cx="4816592" cy="177773"/>
             </a:xfrm>
@@ -4883,9 +4943,9 @@
               <a:gdLst/>
               <a:ahLst/>
               <a:cxnLst/>
-              <a:rect r="r" b="b" t="t" l="l"/>
+              <a:rect l="l" t="t" r="r" b="b"/>
               <a:pathLst>
-                <a:path h="177773" w="4816592">
+                <a:path w="4816592" h="177773">
                   <a:moveTo>
                     <a:pt x="0" y="0"/>
                   </a:moveTo>
@@ -4909,8 +4969,8 @@
         </p:sp>
         <p:sp>
           <p:nvSpPr>
-            <p:cNvPr name="TextBox 4" id="4"/>
-            <p:cNvSpPr txBox="true"/>
+            <p:cNvPr id="4" name="TextBox 4"/>
+            <p:cNvSpPr txBox="1"/>
             <p:nvPr/>
           </p:nvSpPr>
           <p:spPr>
@@ -4923,7 +4983,7 @@
             </a:prstGeom>
           </p:spPr>
           <p:txBody>
-            <a:bodyPr anchor="ctr" rtlCol="false" tIns="50800" lIns="50800" bIns="50800" rIns="50800"/>
+            <a:bodyPr lIns="50800" tIns="50800" rIns="50800" bIns="50800" rtlCol="0" anchor="ctr"/>
             <a:lstStyle/>
             <a:p>
               <a:pPr algn="ctr">
@@ -4934,18 +4994,19 @@
                   <a:spcPct val="0"/>
                 </a:spcBef>
               </a:pPr>
+              <a:endParaRPr/>
             </a:p>
           </p:txBody>
         </p:sp>
       </p:grpSp>
       <p:grpSp>
         <p:nvGrpSpPr>
-          <p:cNvPr name="Group 5" id="5"/>
+          <p:cNvPr id="5" name="Group 5"/>
           <p:cNvGrpSpPr/>
           <p:nvPr/>
         </p:nvGrpSpPr>
         <p:grpSpPr>
-          <a:xfrm rot="0">
+          <a:xfrm>
             <a:off x="0" y="0"/>
             <a:ext cx="18288000" cy="725655"/>
             <a:chOff x="0" y="0"/>
@@ -4954,12 +5015,12 @@
         </p:grpSpPr>
         <p:sp>
           <p:nvSpPr>
-            <p:cNvPr name="Freeform 6" id="6"/>
+            <p:cNvPr id="6" name="Freeform 6"/>
             <p:cNvSpPr/>
             <p:nvPr/>
           </p:nvSpPr>
           <p:spPr>
-            <a:xfrm flipH="false" flipV="false" rot="0">
+            <a:xfrm>
               <a:off x="0" y="0"/>
               <a:ext cx="4816592" cy="191119"/>
             </a:xfrm>
@@ -4968,9 +5029,9 @@
               <a:gdLst/>
               <a:ahLst/>
               <a:cxnLst/>
-              <a:rect r="r" b="b" t="t" l="l"/>
+              <a:rect l="l" t="t" r="r" b="b"/>
               <a:pathLst>
-                <a:path h="191119" w="4816592">
+                <a:path w="4816592" h="191119">
                   <a:moveTo>
                     <a:pt x="0" y="0"/>
                   </a:moveTo>
@@ -4994,8 +5055,8 @@
         </p:sp>
         <p:sp>
           <p:nvSpPr>
-            <p:cNvPr name="TextBox 7" id="7"/>
-            <p:cNvSpPr txBox="true"/>
+            <p:cNvPr id="7" name="TextBox 7"/>
+            <p:cNvSpPr txBox="1"/>
             <p:nvPr/>
           </p:nvSpPr>
           <p:spPr>
@@ -5008,7 +5069,7 @@
             </a:prstGeom>
           </p:spPr>
           <p:txBody>
-            <a:bodyPr anchor="ctr" rtlCol="false" tIns="50800" lIns="50800" bIns="50800" rIns="50800"/>
+            <a:bodyPr lIns="50800" tIns="50800" rIns="50800" bIns="50800" rtlCol="0" anchor="ctr"/>
             <a:lstStyle/>
             <a:p>
               <a:pPr algn="ctr">
@@ -5019,18 +5080,19 @@
                   <a:spcPct val="0"/>
                 </a:spcBef>
               </a:pPr>
+              <a:endParaRPr/>
             </a:p>
           </p:txBody>
         </p:sp>
       </p:grpSp>
       <p:sp>
         <p:nvSpPr>
-          <p:cNvPr name="Freeform 8" id="8"/>
+          <p:cNvPr id="8" name="Freeform 8"/>
           <p:cNvSpPr/>
           <p:nvPr/>
         </p:nvSpPr>
         <p:spPr>
-          <a:xfrm flipH="false" flipV="false" rot="0">
+          <a:xfrm>
             <a:off x="12675323" y="0"/>
             <a:ext cx="5612677" cy="725655"/>
           </a:xfrm>
@@ -5039,9 +5101,9 @@
             <a:gdLst/>
             <a:ahLst/>
             <a:cxnLst/>
-            <a:rect r="r" b="b" t="t" l="l"/>
+            <a:rect l="l" t="t" r="r" b="b"/>
             <a:pathLst>
-              <a:path h="725655" w="5612677">
+              <a:path w="5612677" h="725655">
                 <a:moveTo>
                   <a:pt x="0" y="0"/>
                 </a:moveTo>
@@ -5064,19 +5126,19 @@
           <a:blipFill>
             <a:blip r:embed="rId2"/>
             <a:stretch>
-              <a:fillRect l="0" t="-12748" r="0" b="-14873"/>
+              <a:fillRect t="-12748" b="-14873"/>
             </a:stretch>
           </a:blipFill>
         </p:spPr>
       </p:sp>
       <p:sp>
         <p:nvSpPr>
-          <p:cNvPr name="TextBox 9" id="9"/>
-          <p:cNvSpPr txBox="true"/>
+          <p:cNvPr id="9" name="TextBox 9"/>
+          <p:cNvSpPr txBox="1"/>
           <p:nvPr/>
         </p:nvSpPr>
         <p:spPr>
-          <a:xfrm rot="0">
+          <a:xfrm>
             <a:off x="1943054" y="3070674"/>
             <a:ext cx="8909348" cy="4753417"/>
           </a:xfrm>
@@ -5085,7 +5147,7 @@
           </a:prstGeom>
         </p:spPr>
         <p:txBody>
-          <a:bodyPr anchor="t" rtlCol="false" tIns="0" lIns="0" bIns="0" rIns="0">
+          <a:bodyPr lIns="0" tIns="0" rIns="0" bIns="0" rtlCol="0" anchor="t">
             <a:spAutoFit/>
           </a:bodyPr>
           <a:lstStyle/>
@@ -5098,6 +5160,7 @@
                 <a:spcPct val="0"/>
               </a:spcBef>
             </a:pPr>
+            <a:endParaRPr/>
           </a:p>
           <a:p>
             <a:pPr algn="l">
@@ -5130,6 +5193,15 @@
                 <a:spcPct val="0"/>
               </a:spcBef>
             </a:pPr>
+            <a:endParaRPr lang="en-US" sz="2982">
+              <a:solidFill>
+                <a:srgbClr val="000000"/>
+              </a:solidFill>
+              <a:latin typeface="Times New Roman"/>
+              <a:ea typeface="Times New Roman"/>
+              <a:cs typeface="Times New Roman"/>
+              <a:sym typeface="Times New Roman"/>
+            </a:endParaRPr>
           </a:p>
           <a:p>
             <a:pPr algn="l">
@@ -5140,6 +5212,15 @@
                 <a:spcPct val="0"/>
               </a:spcBef>
             </a:pPr>
+            <a:endParaRPr lang="en-US" sz="2982">
+              <a:solidFill>
+                <a:srgbClr val="000000"/>
+              </a:solidFill>
+              <a:latin typeface="Times New Roman"/>
+              <a:ea typeface="Times New Roman"/>
+              <a:cs typeface="Times New Roman"/>
+              <a:sym typeface="Times New Roman"/>
+            </a:endParaRPr>
           </a:p>
           <a:p>
             <a:pPr algn="l">
@@ -5150,6 +5231,15 @@
                 <a:spcPct val="0"/>
               </a:spcBef>
             </a:pPr>
+            <a:endParaRPr lang="en-US" sz="2982">
+              <a:solidFill>
+                <a:srgbClr val="000000"/>
+              </a:solidFill>
+              <a:latin typeface="Times New Roman"/>
+              <a:ea typeface="Times New Roman"/>
+              <a:cs typeface="Times New Roman"/>
+              <a:sym typeface="Times New Roman"/>
+            </a:endParaRPr>
           </a:p>
           <a:p>
             <a:pPr algn="l">
@@ -5174,7 +5264,7 @@
             </a:r>
           </a:p>
           <a:p>
-            <a:pPr algn="l" marL="643945" indent="-321972" lvl="1">
+            <a:pPr marL="643945" lvl="1" indent="-321972" algn="l">
               <a:lnSpc>
                 <a:spcPts val="4175"/>
               </a:lnSpc>
@@ -5195,7 +5285,7 @@
             </a:r>
           </a:p>
           <a:p>
-            <a:pPr algn="l" marL="643945" indent="-321972" lvl="1">
+            <a:pPr marL="643945" lvl="1" indent="-321972" algn="l">
               <a:lnSpc>
                 <a:spcPts val="4175"/>
               </a:lnSpc>
@@ -5216,7 +5306,7 @@
             </a:r>
           </a:p>
           <a:p>
-            <a:pPr algn="l" marL="643945" indent="-321972" lvl="1">
+            <a:pPr marL="643945" lvl="1" indent="-321972" algn="l">
               <a:lnSpc>
                 <a:spcPts val="4175"/>
               </a:lnSpc>
@@ -5240,21 +5330,21 @@
       </p:sp>
       <p:sp>
         <p:nvSpPr>
-          <p:cNvPr name="TextBox 10" id="10"/>
-          <p:cNvSpPr txBox="true"/>
+          <p:cNvPr id="10" name="TextBox 10"/>
+          <p:cNvSpPr txBox="1"/>
           <p:nvPr/>
         </p:nvSpPr>
         <p:spPr>
-          <a:xfrm rot="0">
+          <a:xfrm>
             <a:off x="8097656" y="895350"/>
-            <a:ext cx="2092689" cy="663576"/>
+            <a:ext cx="2754746" cy="576504"/>
           </a:xfrm>
           <a:prstGeom prst="rect">
             <a:avLst/>
           </a:prstGeom>
         </p:spPr>
         <p:txBody>
-          <a:bodyPr anchor="t" rtlCol="false" tIns="0" lIns="0" bIns="0" rIns="0">
+          <a:bodyPr wrap="square" lIns="0" tIns="0" rIns="0" bIns="0" rtlCol="0" anchor="t">
             <a:spAutoFit/>
           </a:bodyPr>
           <a:lstStyle/>
@@ -5268,7 +5358,7 @@
               </a:spcBef>
             </a:pPr>
             <a:r>
-              <a:rPr lang="en-US" b="true" sz="3499">
+              <a:rPr lang="en-US" sz="3499" b="1" dirty="0">
                 <a:solidFill>
                   <a:srgbClr val="000000"/>
                 </a:solidFill>
@@ -5277,7 +5367,19 @@
                 <a:cs typeface="Times New Roman Bold"/>
                 <a:sym typeface="Times New Roman Bold"/>
               </a:rPr>
-              <a:t> Scalability</a:t>
+              <a:t> </a:t>
+            </a:r>
+            <a:r>
+              <a:rPr lang="en-US" sz="3499" b="1" dirty="0">
+                <a:solidFill>
+                  <a:srgbClr val="000000"/>
+                </a:solidFill>
+                <a:latin typeface="Times New Roman" panose="02020603050405020304" pitchFamily="18" charset="0"/>
+                <a:ea typeface="Times New Roman Bold"/>
+                <a:cs typeface="Times New Roman" panose="02020603050405020304" pitchFamily="18" charset="0"/>
+                <a:sym typeface="Times New Roman Bold"/>
+              </a:rPr>
+              <a:t>Scalability</a:t>
             </a:r>
           </a:p>
         </p:txBody>
@@ -5291,7 +5393,7 @@
 </file>
 
 <file path=ppt/slides/slide6.xml><?xml version="1.0" encoding="utf-8"?>
-<p:sld xmlns:p="http://schemas.openxmlformats.org/presentationml/2006/main" xmlns:a="http://schemas.openxmlformats.org/drawingml/2006/main" xmlns:r="http://schemas.openxmlformats.org/officeDocument/2006/relationships">
+<p:sld xmlns:a="http://schemas.openxmlformats.org/drawingml/2006/main" xmlns:r="http://schemas.openxmlformats.org/officeDocument/2006/relationships" xmlns:p="http://schemas.openxmlformats.org/presentationml/2006/main">
   <p:cSld>
     <p:spTree>
       <p:nvGrpSpPr>
@@ -5309,12 +5411,12 @@
       </p:grpSpPr>
       <p:grpSp>
         <p:nvGrpSpPr>
-          <p:cNvPr name="Group 2" id="2"/>
+          <p:cNvPr id="2" name="Group 2"/>
           <p:cNvGrpSpPr/>
           <p:nvPr/>
         </p:nvGrpSpPr>
         <p:grpSpPr>
-          <a:xfrm rot="0">
+          <a:xfrm>
             <a:off x="0" y="9612018"/>
             <a:ext cx="18288000" cy="674982"/>
             <a:chOff x="0" y="0"/>
@@ -5323,12 +5425,12 @@
         </p:grpSpPr>
         <p:sp>
           <p:nvSpPr>
-            <p:cNvPr name="Freeform 3" id="3"/>
+            <p:cNvPr id="3" name="Freeform 3"/>
             <p:cNvSpPr/>
             <p:nvPr/>
           </p:nvSpPr>
           <p:spPr>
-            <a:xfrm flipH="false" flipV="false" rot="0">
+            <a:xfrm>
               <a:off x="0" y="0"/>
               <a:ext cx="4816592" cy="177773"/>
             </a:xfrm>
@@ -5337,9 +5439,9 @@
               <a:gdLst/>
               <a:ahLst/>
               <a:cxnLst/>
-              <a:rect r="r" b="b" t="t" l="l"/>
+              <a:rect l="l" t="t" r="r" b="b"/>
               <a:pathLst>
-                <a:path h="177773" w="4816592">
+                <a:path w="4816592" h="177773">
                   <a:moveTo>
                     <a:pt x="0" y="0"/>
                   </a:moveTo>
@@ -5363,8 +5465,8 @@
         </p:sp>
         <p:sp>
           <p:nvSpPr>
-            <p:cNvPr name="TextBox 4" id="4"/>
-            <p:cNvSpPr txBox="true"/>
+            <p:cNvPr id="4" name="TextBox 4"/>
+            <p:cNvSpPr txBox="1"/>
             <p:nvPr/>
           </p:nvSpPr>
           <p:spPr>
@@ -5377,7 +5479,7 @@
             </a:prstGeom>
           </p:spPr>
           <p:txBody>
-            <a:bodyPr anchor="ctr" rtlCol="false" tIns="50800" lIns="50800" bIns="50800" rIns="50800"/>
+            <a:bodyPr lIns="50800" tIns="50800" rIns="50800" bIns="50800" rtlCol="0" anchor="ctr"/>
             <a:lstStyle/>
             <a:p>
               <a:pPr algn="ctr">
@@ -5388,18 +5490,19 @@
                   <a:spcPct val="0"/>
                 </a:spcBef>
               </a:pPr>
+              <a:endParaRPr/>
             </a:p>
           </p:txBody>
         </p:sp>
       </p:grpSp>
       <p:grpSp>
         <p:nvGrpSpPr>
-          <p:cNvPr name="Group 5" id="5"/>
+          <p:cNvPr id="5" name="Group 5"/>
           <p:cNvGrpSpPr/>
           <p:nvPr/>
         </p:nvGrpSpPr>
         <p:grpSpPr>
-          <a:xfrm rot="0">
+          <a:xfrm>
             <a:off x="0" y="0"/>
             <a:ext cx="18288000" cy="725655"/>
             <a:chOff x="0" y="0"/>
@@ -5408,12 +5511,12 @@
         </p:grpSpPr>
         <p:sp>
           <p:nvSpPr>
-            <p:cNvPr name="Freeform 6" id="6"/>
+            <p:cNvPr id="6" name="Freeform 6"/>
             <p:cNvSpPr/>
             <p:nvPr/>
           </p:nvSpPr>
           <p:spPr>
-            <a:xfrm flipH="false" flipV="false" rot="0">
+            <a:xfrm>
               <a:off x="0" y="0"/>
               <a:ext cx="4816592" cy="191119"/>
             </a:xfrm>
@@ -5422,9 +5525,9 @@
               <a:gdLst/>
               <a:ahLst/>
               <a:cxnLst/>
-              <a:rect r="r" b="b" t="t" l="l"/>
+              <a:rect l="l" t="t" r="r" b="b"/>
               <a:pathLst>
-                <a:path h="191119" w="4816592">
+                <a:path w="4816592" h="191119">
                   <a:moveTo>
                     <a:pt x="0" y="0"/>
                   </a:moveTo>
@@ -5448,8 +5551,8 @@
         </p:sp>
         <p:sp>
           <p:nvSpPr>
-            <p:cNvPr name="TextBox 7" id="7"/>
-            <p:cNvSpPr txBox="true"/>
+            <p:cNvPr id="7" name="TextBox 7"/>
+            <p:cNvSpPr txBox="1"/>
             <p:nvPr/>
           </p:nvSpPr>
           <p:spPr>
@@ -5462,7 +5565,7 @@
             </a:prstGeom>
           </p:spPr>
           <p:txBody>
-            <a:bodyPr anchor="ctr" rtlCol="false" tIns="50800" lIns="50800" bIns="50800" rIns="50800"/>
+            <a:bodyPr lIns="50800" tIns="50800" rIns="50800" bIns="50800" rtlCol="0" anchor="ctr"/>
             <a:lstStyle/>
             <a:p>
               <a:pPr algn="ctr">
@@ -5473,18 +5576,19 @@
                   <a:spcPct val="0"/>
                 </a:spcBef>
               </a:pPr>
+              <a:endParaRPr/>
             </a:p>
           </p:txBody>
         </p:sp>
       </p:grpSp>
       <p:sp>
         <p:nvSpPr>
-          <p:cNvPr name="Freeform 8" id="8"/>
+          <p:cNvPr id="8" name="Freeform 8"/>
           <p:cNvSpPr/>
           <p:nvPr/>
         </p:nvSpPr>
         <p:spPr>
-          <a:xfrm flipH="false" flipV="false" rot="0">
+          <a:xfrm>
             <a:off x="12675323" y="0"/>
             <a:ext cx="5612677" cy="725655"/>
           </a:xfrm>
@@ -5493,9 +5597,9 @@
             <a:gdLst/>
             <a:ahLst/>
             <a:cxnLst/>
-            <a:rect r="r" b="b" t="t" l="l"/>
+            <a:rect l="l" t="t" r="r" b="b"/>
             <a:pathLst>
-              <a:path h="725655" w="5612677">
+              <a:path w="5612677" h="725655">
                 <a:moveTo>
                   <a:pt x="0" y="0"/>
                 </a:moveTo>
@@ -5518,19 +5622,19 @@
           <a:blipFill>
             <a:blip r:embed="rId2"/>
             <a:stretch>
-              <a:fillRect l="0" t="-12748" r="0" b="-14873"/>
+              <a:fillRect t="-12748" b="-14873"/>
             </a:stretch>
           </a:blipFill>
         </p:spPr>
       </p:sp>
       <p:sp>
         <p:nvSpPr>
-          <p:cNvPr name="TextBox 9" id="9"/>
-          <p:cNvSpPr txBox="true"/>
+          <p:cNvPr id="9" name="TextBox 9"/>
+          <p:cNvSpPr txBox="1"/>
           <p:nvPr/>
         </p:nvSpPr>
         <p:spPr>
-          <a:xfrm rot="0">
+          <a:xfrm>
             <a:off x="1943054" y="3070674"/>
             <a:ext cx="10987650" cy="5277292"/>
           </a:xfrm>
@@ -5539,7 +5643,7 @@
           </a:prstGeom>
         </p:spPr>
         <p:txBody>
-          <a:bodyPr anchor="t" rtlCol="false" tIns="0" lIns="0" bIns="0" rIns="0">
+          <a:bodyPr lIns="0" tIns="0" rIns="0" bIns="0" rtlCol="0" anchor="t">
             <a:spAutoFit/>
           </a:bodyPr>
           <a:lstStyle/>
@@ -5552,6 +5656,7 @@
                 <a:spcPct val="0"/>
               </a:spcBef>
             </a:pPr>
+            <a:endParaRPr/>
           </a:p>
           <a:p>
             <a:pPr algn="l">
@@ -5584,6 +5689,15 @@
                 <a:spcPct val="0"/>
               </a:spcBef>
             </a:pPr>
+            <a:endParaRPr lang="en-US" sz="2982">
+              <a:solidFill>
+                <a:srgbClr val="000000"/>
+              </a:solidFill>
+              <a:latin typeface="Times New Roman"/>
+              <a:ea typeface="Times New Roman"/>
+              <a:cs typeface="Times New Roman"/>
+              <a:sym typeface="Times New Roman"/>
+            </a:endParaRPr>
           </a:p>
           <a:p>
             <a:pPr algn="l">
@@ -5594,6 +5708,15 @@
                 <a:spcPct val="0"/>
               </a:spcBef>
             </a:pPr>
+            <a:endParaRPr lang="en-US" sz="2982">
+              <a:solidFill>
+                <a:srgbClr val="000000"/>
+              </a:solidFill>
+              <a:latin typeface="Times New Roman"/>
+              <a:ea typeface="Times New Roman"/>
+              <a:cs typeface="Times New Roman"/>
+              <a:sym typeface="Times New Roman"/>
+            </a:endParaRPr>
           </a:p>
           <a:p>
             <a:pPr algn="l">
@@ -5604,6 +5727,15 @@
                 <a:spcPct val="0"/>
               </a:spcBef>
             </a:pPr>
+            <a:endParaRPr lang="en-US" sz="2982">
+              <a:solidFill>
+                <a:srgbClr val="000000"/>
+              </a:solidFill>
+              <a:latin typeface="Times New Roman"/>
+              <a:ea typeface="Times New Roman"/>
+              <a:cs typeface="Times New Roman"/>
+              <a:sym typeface="Times New Roman"/>
+            </a:endParaRPr>
           </a:p>
           <a:p>
             <a:pPr algn="l">
@@ -5628,7 +5760,7 @@
             </a:r>
           </a:p>
           <a:p>
-            <a:pPr algn="l" marL="643945" indent="-321972" lvl="1">
+            <a:pPr marL="643945" lvl="1" indent="-321972" algn="l">
               <a:lnSpc>
                 <a:spcPts val="4175"/>
               </a:lnSpc>
@@ -5652,7 +5784,7 @@
             </a:r>
           </a:p>
           <a:p>
-            <a:pPr algn="l" marL="643945" indent="-321972" lvl="1">
+            <a:pPr marL="643945" lvl="1" indent="-321972" algn="l">
               <a:lnSpc>
                 <a:spcPts val="4175"/>
               </a:lnSpc>
@@ -5676,7 +5808,7 @@
             </a:r>
           </a:p>
           <a:p>
-            <a:pPr algn="l" marL="643945" indent="-321972" lvl="1">
+            <a:pPr marL="643945" lvl="1" indent="-321972" algn="l">
               <a:lnSpc>
                 <a:spcPts val="4175"/>
               </a:lnSpc>
@@ -5708,26 +5840,35 @@
                 <a:spcPct val="0"/>
               </a:spcBef>
             </a:pPr>
-          </a:p>
-        </p:txBody>
-      </p:sp>
-      <p:sp>
-        <p:nvSpPr>
-          <p:cNvPr name="TextBox 10" id="10"/>
-          <p:cNvSpPr txBox="true"/>
+            <a:endParaRPr lang="en-US" sz="2982">
+              <a:solidFill>
+                <a:srgbClr val="000000"/>
+              </a:solidFill>
+              <a:latin typeface="Times New Roman"/>
+              <a:ea typeface="Times New Roman"/>
+              <a:cs typeface="Times New Roman"/>
+              <a:sym typeface="Times New Roman"/>
+            </a:endParaRPr>
+          </a:p>
+        </p:txBody>
+      </p:sp>
+      <p:sp>
+        <p:nvSpPr>
+          <p:cNvPr id="10" name="TextBox 10"/>
+          <p:cNvSpPr txBox="1"/>
           <p:nvPr/>
         </p:nvSpPr>
         <p:spPr>
-          <a:xfrm rot="0">
+          <a:xfrm>
             <a:off x="8438059" y="895350"/>
-            <a:ext cx="1411883" cy="663576"/>
+            <a:ext cx="2077541" cy="576504"/>
           </a:xfrm>
           <a:prstGeom prst="rect">
             <a:avLst/>
           </a:prstGeom>
         </p:spPr>
         <p:txBody>
-          <a:bodyPr anchor="t" rtlCol="false" tIns="0" lIns="0" bIns="0" rIns="0">
+          <a:bodyPr wrap="square" lIns="0" tIns="0" rIns="0" bIns="0" rtlCol="0" anchor="t">
             <a:spAutoFit/>
           </a:bodyPr>
           <a:lstStyle/>
@@ -5741,7 +5882,7 @@
               </a:spcBef>
             </a:pPr>
             <a:r>
-              <a:rPr lang="en-US" sz="3499">
+              <a:rPr lang="en-US" sz="3499" dirty="0">
                 <a:solidFill>
                   <a:srgbClr val="000000"/>
                 </a:solidFill>
@@ -5753,13 +5894,13 @@
               <a:t> </a:t>
             </a:r>
             <a:r>
-              <a:rPr lang="en-US" b="true" sz="3499">
+              <a:rPr lang="en-US" sz="3499" b="1" dirty="0">
                 <a:solidFill>
                   <a:srgbClr val="000000"/>
                 </a:solidFill>
-                <a:latin typeface="Times New Roman Bold"/>
+                <a:latin typeface="Times New Roman" panose="02020603050405020304" pitchFamily="18" charset="0"/>
                 <a:ea typeface="Times New Roman Bold"/>
-                <a:cs typeface="Times New Roman Bold"/>
+                <a:cs typeface="Times New Roman" panose="02020603050405020304" pitchFamily="18" charset="0"/>
                 <a:sym typeface="Times New Roman Bold"/>
               </a:rPr>
               <a:t>Impact</a:t>
@@ -5776,7 +5917,7 @@
 </file>
 
 <file path=ppt/slides/slide7.xml><?xml version="1.0" encoding="utf-8"?>
-<p:sld xmlns:p="http://schemas.openxmlformats.org/presentationml/2006/main" xmlns:a="http://schemas.openxmlformats.org/drawingml/2006/main" xmlns:r="http://schemas.openxmlformats.org/officeDocument/2006/relationships">
+<p:sld xmlns:a="http://schemas.openxmlformats.org/drawingml/2006/main" xmlns:r="http://schemas.openxmlformats.org/officeDocument/2006/relationships" xmlns:p="http://schemas.openxmlformats.org/presentationml/2006/main">
   <p:cSld>
     <p:spTree>
       <p:nvGrpSpPr>
@@ -5794,12 +5935,12 @@
       </p:grpSpPr>
       <p:grpSp>
         <p:nvGrpSpPr>
-          <p:cNvPr name="Group 2" id="2"/>
+          <p:cNvPr id="2" name="Group 2"/>
           <p:cNvGrpSpPr/>
           <p:nvPr/>
         </p:nvGrpSpPr>
         <p:grpSpPr>
-          <a:xfrm rot="0">
+          <a:xfrm>
             <a:off x="0" y="9612018"/>
             <a:ext cx="18288000" cy="674982"/>
             <a:chOff x="0" y="0"/>
@@ -5808,12 +5949,12 @@
         </p:grpSpPr>
         <p:sp>
           <p:nvSpPr>
-            <p:cNvPr name="Freeform 3" id="3"/>
+            <p:cNvPr id="3" name="Freeform 3"/>
             <p:cNvSpPr/>
             <p:nvPr/>
           </p:nvSpPr>
           <p:spPr>
-            <a:xfrm flipH="false" flipV="false" rot="0">
+            <a:xfrm>
               <a:off x="0" y="0"/>
               <a:ext cx="4816592" cy="177773"/>
             </a:xfrm>
@@ -5822,9 +5963,9 @@
               <a:gdLst/>
               <a:ahLst/>
               <a:cxnLst/>
-              <a:rect r="r" b="b" t="t" l="l"/>
+              <a:rect l="l" t="t" r="r" b="b"/>
               <a:pathLst>
-                <a:path h="177773" w="4816592">
+                <a:path w="4816592" h="177773">
                   <a:moveTo>
                     <a:pt x="0" y="0"/>
                   </a:moveTo>
@@ -5848,8 +5989,8 @@
         </p:sp>
         <p:sp>
           <p:nvSpPr>
-            <p:cNvPr name="TextBox 4" id="4"/>
-            <p:cNvSpPr txBox="true"/>
+            <p:cNvPr id="4" name="TextBox 4"/>
+            <p:cNvSpPr txBox="1"/>
             <p:nvPr/>
           </p:nvSpPr>
           <p:spPr>
@@ -5862,7 +6003,7 @@
             </a:prstGeom>
           </p:spPr>
           <p:txBody>
-            <a:bodyPr anchor="ctr" rtlCol="false" tIns="50800" lIns="50800" bIns="50800" rIns="50800"/>
+            <a:bodyPr lIns="50800" tIns="50800" rIns="50800" bIns="50800" rtlCol="0" anchor="ctr"/>
             <a:lstStyle/>
             <a:p>
               <a:pPr algn="ctr">
@@ -5873,18 +6014,19 @@
                   <a:spcPct val="0"/>
                 </a:spcBef>
               </a:pPr>
+              <a:endParaRPr/>
             </a:p>
           </p:txBody>
         </p:sp>
       </p:grpSp>
       <p:grpSp>
         <p:nvGrpSpPr>
-          <p:cNvPr name="Group 5" id="5"/>
+          <p:cNvPr id="5" name="Group 5"/>
           <p:cNvGrpSpPr/>
           <p:nvPr/>
         </p:nvGrpSpPr>
         <p:grpSpPr>
-          <a:xfrm rot="0">
+          <a:xfrm>
             <a:off x="0" y="0"/>
             <a:ext cx="18288000" cy="725655"/>
             <a:chOff x="0" y="0"/>
@@ -5893,12 +6035,12 @@
         </p:grpSpPr>
         <p:sp>
           <p:nvSpPr>
-            <p:cNvPr name="Freeform 6" id="6"/>
+            <p:cNvPr id="6" name="Freeform 6"/>
             <p:cNvSpPr/>
             <p:nvPr/>
           </p:nvSpPr>
           <p:spPr>
-            <a:xfrm flipH="false" flipV="false" rot="0">
+            <a:xfrm>
               <a:off x="0" y="0"/>
               <a:ext cx="4816592" cy="191119"/>
             </a:xfrm>
@@ -5907,9 +6049,9 @@
               <a:gdLst/>
               <a:ahLst/>
               <a:cxnLst/>
-              <a:rect r="r" b="b" t="t" l="l"/>
+              <a:rect l="l" t="t" r="r" b="b"/>
               <a:pathLst>
-                <a:path h="191119" w="4816592">
+                <a:path w="4816592" h="191119">
                   <a:moveTo>
                     <a:pt x="0" y="0"/>
                   </a:moveTo>
@@ -5933,8 +6075,8 @@
         </p:sp>
         <p:sp>
           <p:nvSpPr>
-            <p:cNvPr name="TextBox 7" id="7"/>
-            <p:cNvSpPr txBox="true"/>
+            <p:cNvPr id="7" name="TextBox 7"/>
+            <p:cNvSpPr txBox="1"/>
             <p:nvPr/>
           </p:nvSpPr>
           <p:spPr>
@@ -5947,7 +6089,7 @@
             </a:prstGeom>
           </p:spPr>
           <p:txBody>
-            <a:bodyPr anchor="ctr" rtlCol="false" tIns="50800" lIns="50800" bIns="50800" rIns="50800"/>
+            <a:bodyPr lIns="50800" tIns="50800" rIns="50800" bIns="50800" rtlCol="0" anchor="ctr"/>
             <a:lstStyle/>
             <a:p>
               <a:pPr algn="ctr">
@@ -5958,18 +6100,19 @@
                   <a:spcPct val="0"/>
                 </a:spcBef>
               </a:pPr>
+              <a:endParaRPr/>
             </a:p>
           </p:txBody>
         </p:sp>
       </p:grpSp>
       <p:sp>
         <p:nvSpPr>
-          <p:cNvPr name="Freeform 8" id="8"/>
+          <p:cNvPr id="8" name="Freeform 8"/>
           <p:cNvSpPr/>
           <p:nvPr/>
         </p:nvSpPr>
         <p:spPr>
-          <a:xfrm flipH="false" flipV="false" rot="0">
+          <a:xfrm>
             <a:off x="12675323" y="0"/>
             <a:ext cx="5612677" cy="725655"/>
           </a:xfrm>
@@ -5978,9 +6121,9 @@
             <a:gdLst/>
             <a:ahLst/>
             <a:cxnLst/>
-            <a:rect r="r" b="b" t="t" l="l"/>
+            <a:rect l="l" t="t" r="r" b="b"/>
             <a:pathLst>
-              <a:path h="725655" w="5612677">
+              <a:path w="5612677" h="725655">
                 <a:moveTo>
                   <a:pt x="0" y="0"/>
                 </a:moveTo>
@@ -6003,19 +6146,19 @@
           <a:blipFill>
             <a:blip r:embed="rId2"/>
             <a:stretch>
-              <a:fillRect l="0" t="-12748" r="0" b="-14873"/>
+              <a:fillRect t="-12748" b="-14873"/>
             </a:stretch>
           </a:blipFill>
         </p:spPr>
       </p:sp>
       <p:sp>
         <p:nvSpPr>
-          <p:cNvPr name="TextBox 9" id="9"/>
-          <p:cNvSpPr txBox="true"/>
+          <p:cNvPr id="9" name="TextBox 9"/>
+          <p:cNvSpPr txBox="1"/>
           <p:nvPr/>
         </p:nvSpPr>
         <p:spPr>
-          <a:xfrm rot="0">
+          <a:xfrm>
             <a:off x="7622623" y="4745037"/>
             <a:ext cx="2199018" cy="663576"/>
           </a:xfrm>
@@ -6024,7 +6167,7 @@
           </a:prstGeom>
         </p:spPr>
         <p:txBody>
-          <a:bodyPr anchor="t" rtlCol="false" tIns="0" lIns="0" bIns="0" rIns="0">
+          <a:bodyPr lIns="0" tIns="0" rIns="0" bIns="0" rtlCol="0" anchor="t">
             <a:spAutoFit/>
           </a:bodyPr>
           <a:lstStyle/>

--- a/public/SITnovatePresentationTemplate.pptx
+++ b/public/SITnovatePresentationTemplate.pptx
@@ -12,13 +12,18 @@
     <p:sldId id="260" r:id="rId6"/>
     <p:sldId id="261" r:id="rId7"/>
     <p:sldId id="262" r:id="rId8"/>
+    <p:sldId id="263" r:id="rId9"/>
   </p:sldIdLst>
   <p:sldSz cx="18288000" cy="10287000"/>
   <p:notesSz cx="6858000" cy="9144000"/>
   <p:embeddedFontLst>
     <p:embeddedFont>
+      <p:font typeface="Canva Sans" panose="020B0604020202020204" charset="0"/>
+      <p:regular r:id="rId10"/>
+    </p:embeddedFont>
+    <p:embeddedFont>
       <p:font typeface="Times New Roman Bold"/>
-      <p:regular r:id="rId9"/>
+      <p:regular r:id="rId11"/>
     </p:embeddedFont>
   </p:embeddedFontLst>
   <p:defaultTextStyle>
@@ -315,7 +320,7 @@
             <a:fld id="{1D8BD707-D9CF-40AE-B4C6-C98DA3205C09}" type="datetimeFigureOut">
               <a:rPr lang="en-US" smtClean="0"/>
               <a:pPr/>
-              <a:t>2/14/2025</a:t>
+              <a:t>2/15/2025</a:t>
             </a:fld>
             <a:endParaRPr lang="en-US"/>
           </a:p>
@@ -480,7 +485,7 @@
             <a:fld id="{1D8BD707-D9CF-40AE-B4C6-C98DA3205C09}" type="datetimeFigureOut">
               <a:rPr lang="en-US" smtClean="0"/>
               <a:pPr/>
-              <a:t>2/14/2025</a:t>
+              <a:t>2/15/2025</a:t>
             </a:fld>
             <a:endParaRPr lang="en-US"/>
           </a:p>
@@ -655,7 +660,7 @@
             <a:fld id="{1D8BD707-D9CF-40AE-B4C6-C98DA3205C09}" type="datetimeFigureOut">
               <a:rPr lang="en-US" smtClean="0"/>
               <a:pPr/>
-              <a:t>2/14/2025</a:t>
+              <a:t>2/15/2025</a:t>
             </a:fld>
             <a:endParaRPr lang="en-US"/>
           </a:p>
@@ -820,7 +825,7 @@
             <a:fld id="{1D8BD707-D9CF-40AE-B4C6-C98DA3205C09}" type="datetimeFigureOut">
               <a:rPr lang="en-US" smtClean="0"/>
               <a:pPr/>
-              <a:t>2/14/2025</a:t>
+              <a:t>2/15/2025</a:t>
             </a:fld>
             <a:endParaRPr lang="en-US"/>
           </a:p>
@@ -1062,7 +1067,7 @@
             <a:fld id="{1D8BD707-D9CF-40AE-B4C6-C98DA3205C09}" type="datetimeFigureOut">
               <a:rPr lang="en-US" smtClean="0"/>
               <a:pPr/>
-              <a:t>2/14/2025</a:t>
+              <a:t>2/15/2025</a:t>
             </a:fld>
             <a:endParaRPr lang="en-US"/>
           </a:p>
@@ -1344,7 +1349,7 @@
             <a:fld id="{1D8BD707-D9CF-40AE-B4C6-C98DA3205C09}" type="datetimeFigureOut">
               <a:rPr lang="en-US" smtClean="0"/>
               <a:pPr/>
-              <a:t>2/14/2025</a:t>
+              <a:t>2/15/2025</a:t>
             </a:fld>
             <a:endParaRPr lang="en-US"/>
           </a:p>
@@ -1760,7 +1765,7 @@
             <a:fld id="{1D8BD707-D9CF-40AE-B4C6-C98DA3205C09}" type="datetimeFigureOut">
               <a:rPr lang="en-US" smtClean="0"/>
               <a:pPr/>
-              <a:t>2/14/2025</a:t>
+              <a:t>2/15/2025</a:t>
             </a:fld>
             <a:endParaRPr lang="en-US"/>
           </a:p>
@@ -1874,7 +1879,7 @@
             <a:fld id="{1D8BD707-D9CF-40AE-B4C6-C98DA3205C09}" type="datetimeFigureOut">
               <a:rPr lang="en-US" smtClean="0"/>
               <a:pPr/>
-              <a:t>2/14/2025</a:t>
+              <a:t>2/15/2025</a:t>
             </a:fld>
             <a:endParaRPr lang="en-US"/>
           </a:p>
@@ -1966,7 +1971,7 @@
             <a:fld id="{1D8BD707-D9CF-40AE-B4C6-C98DA3205C09}" type="datetimeFigureOut">
               <a:rPr lang="en-US" smtClean="0"/>
               <a:pPr/>
-              <a:t>2/14/2025</a:t>
+              <a:t>2/15/2025</a:t>
             </a:fld>
             <a:endParaRPr lang="en-US"/>
           </a:p>
@@ -2238,7 +2243,7 @@
             <a:fld id="{1D8BD707-D9CF-40AE-B4C6-C98DA3205C09}" type="datetimeFigureOut">
               <a:rPr lang="en-US" smtClean="0"/>
               <a:pPr/>
-              <a:t>2/14/2025</a:t>
+              <a:t>2/15/2025</a:t>
             </a:fld>
             <a:endParaRPr lang="en-US"/>
           </a:p>
@@ -2487,7 +2492,7 @@
             <a:fld id="{1D8BD707-D9CF-40AE-B4C6-C98DA3205C09}" type="datetimeFigureOut">
               <a:rPr lang="en-US" smtClean="0"/>
               <a:pPr/>
-              <a:t>2/14/2025</a:t>
+              <a:t>2/15/2025</a:t>
             </a:fld>
             <a:endParaRPr lang="en-US"/>
           </a:p>
@@ -2695,7 +2700,7 @@
             <a:fld id="{1D8BD707-D9CF-40AE-B4C6-C98DA3205C09}" type="datetimeFigureOut">
               <a:rPr lang="en-US" smtClean="0"/>
               <a:pPr/>
-              <a:t>2/14/2025</a:t>
+              <a:t>2/15/2025</a:t>
             </a:fld>
             <a:endParaRPr lang="en-US"/>
           </a:p>
@@ -3119,6 +3124,13 @@
               <a:srgbClr val="8B0000"/>
             </a:solidFill>
           </p:spPr>
+          <p:txBody>
+            <a:bodyPr/>
+            <a:lstStyle/>
+            <a:p>
+              <a:endParaRPr lang="en-IN"/>
+            </a:p>
+          </p:txBody>
         </p:sp>
         <p:sp>
           <p:nvSpPr>
@@ -3205,6 +3217,13 @@
               <a:srgbClr val="8B0000"/>
             </a:solidFill>
           </p:spPr>
+          <p:txBody>
+            <a:bodyPr/>
+            <a:lstStyle/>
+            <a:p>
+              <a:endParaRPr lang="en-IN"/>
+            </a:p>
+          </p:txBody>
         </p:sp>
         <p:sp>
           <p:nvSpPr>
@@ -3283,6 +3302,13 @@
             </a:stretch>
           </a:blipFill>
         </p:spPr>
+        <p:txBody>
+          <a:bodyPr/>
+          <a:lstStyle/>
+          <a:p>
+            <a:endParaRPr lang="en-IN"/>
+          </a:p>
+        </p:txBody>
       </p:sp>
       <p:sp>
         <p:nvSpPr>
@@ -3293,14 +3319,14 @@
         <p:spPr>
           <a:xfrm>
             <a:off x="1954644" y="3322147"/>
-            <a:ext cx="11075556" cy="2095574"/>
+            <a:ext cx="8218568" cy="2199962"/>
           </a:xfrm>
           <a:prstGeom prst="rect">
             <a:avLst/>
           </a:prstGeom>
         </p:spPr>
         <p:txBody>
-          <a:bodyPr wrap="square" lIns="0" tIns="0" rIns="0" bIns="0" rtlCol="0" anchor="t">
+          <a:bodyPr lIns="0" tIns="0" rIns="0" bIns="0" rtlCol="0" anchor="t">
             <a:spAutoFit/>
           </a:bodyPr>
           <a:lstStyle/>
@@ -3313,13 +3339,13 @@
               <a:buChar char="•"/>
             </a:pPr>
             <a:r>
-              <a:rPr lang="en-US" sz="4015" b="1" dirty="0">
+              <a:rPr lang="en-US" sz="4015" b="1">
                 <a:solidFill>
                   <a:srgbClr val="000000"/>
                 </a:solidFill>
-                <a:latin typeface="Times New Roman" panose="02020603050405020304" pitchFamily="18" charset="0"/>
+                <a:latin typeface="Times New Roman Bold"/>
                 <a:ea typeface="Times New Roman Bold"/>
-                <a:cs typeface="Times New Roman" panose="02020603050405020304" pitchFamily="18" charset="0"/>
+                <a:cs typeface="Times New Roman Bold"/>
                 <a:sym typeface="Times New Roman Bold"/>
               </a:rPr>
               <a:t>Team Name (Registered on portal)</a:t>
@@ -3334,13 +3360,13 @@
               <a:buChar char="•"/>
             </a:pPr>
             <a:r>
-              <a:rPr lang="en-US" sz="4015" b="1" dirty="0">
+              <a:rPr lang="en-US" sz="4015" b="1">
                 <a:solidFill>
                   <a:srgbClr val="000000"/>
                 </a:solidFill>
-                <a:latin typeface="Times New Roman" panose="02020603050405020304" pitchFamily="18" charset="0"/>
+                <a:latin typeface="Times New Roman Bold"/>
                 <a:ea typeface="Times New Roman Bold"/>
-                <a:cs typeface="Times New Roman" panose="02020603050405020304" pitchFamily="18" charset="0"/>
+                <a:cs typeface="Times New Roman Bold"/>
                 <a:sym typeface="Times New Roman Bold"/>
               </a:rPr>
               <a:t>Problem Statement </a:t>
@@ -3355,13 +3381,13 @@
               <a:buChar char="•"/>
             </a:pPr>
             <a:r>
-              <a:rPr lang="en-US" sz="4015" b="1" dirty="0">
+              <a:rPr lang="en-US" sz="4015" b="1">
                 <a:solidFill>
                   <a:srgbClr val="000000"/>
                 </a:solidFill>
-                <a:latin typeface="Times New Roman" panose="02020603050405020304" pitchFamily="18" charset="0"/>
+                <a:latin typeface="Times New Roman Bold"/>
                 <a:ea typeface="Times New Roman Bold"/>
-                <a:cs typeface="Times New Roman" panose="02020603050405020304" pitchFamily="18" charset="0"/>
+                <a:cs typeface="Times New Roman Bold"/>
                 <a:sym typeface="Times New Roman Bold"/>
               </a:rPr>
               <a:t>Problem Statement Title</a:t>
@@ -3439,6 +3465,13 @@
             </a:stretch>
           </a:blipFill>
         </p:spPr>
+        <p:txBody>
+          <a:bodyPr/>
+          <a:lstStyle/>
+          <a:p>
+            <a:endParaRPr lang="en-IN"/>
+          </a:p>
+        </p:txBody>
       </p:sp>
       <p:sp>
         <p:nvSpPr>
@@ -3448,8 +3481,8 @@
         </p:nvSpPr>
         <p:spPr>
           <a:xfrm>
-            <a:off x="1838919" y="2836351"/>
-            <a:ext cx="7958501" cy="4499999"/>
+            <a:off x="1838919" y="2845876"/>
+            <a:ext cx="7958501" cy="4490474"/>
           </a:xfrm>
           <a:prstGeom prst="rect">
             <a:avLst/>
@@ -3469,7 +3502,7 @@
                 <a:spcPct val="0"/>
               </a:spcBef>
             </a:pPr>
-            <a:endParaRPr dirty="0"/>
+            <a:endParaRPr/>
           </a:p>
           <a:p>
             <a:pPr algn="l">
@@ -3481,7 +3514,7 @@
               </a:spcBef>
             </a:pPr>
             <a:r>
-              <a:rPr lang="en-US" sz="2822" dirty="0">
+              <a:rPr lang="en-US" sz="2822">
                 <a:solidFill>
                   <a:srgbClr val="000000"/>
                 </a:solidFill>
@@ -3502,7 +3535,7 @@
                 <a:spcPct val="0"/>
               </a:spcBef>
             </a:pPr>
-            <a:endParaRPr lang="en-US" sz="2822" dirty="0">
+            <a:endParaRPr lang="en-US" sz="2822">
               <a:solidFill>
                 <a:srgbClr val="000000"/>
               </a:solidFill>
@@ -3521,7 +3554,7 @@
                 <a:spcPct val="0"/>
               </a:spcBef>
             </a:pPr>
-            <a:endParaRPr lang="en-US" sz="2822" dirty="0">
+            <a:endParaRPr lang="en-US" sz="2822">
               <a:solidFill>
                 <a:srgbClr val="000000"/>
               </a:solidFill>
@@ -3540,7 +3573,7 @@
                 <a:spcPct val="0"/>
               </a:spcBef>
             </a:pPr>
-            <a:endParaRPr lang="en-US" sz="2822" dirty="0">
+            <a:endParaRPr lang="en-US" sz="2822">
               <a:solidFill>
                 <a:srgbClr val="000000"/>
               </a:solidFill>
@@ -3560,7 +3593,7 @@
               </a:spcBef>
             </a:pPr>
             <a:r>
-              <a:rPr lang="en-US" sz="2822" dirty="0">
+              <a:rPr lang="en-US" sz="2822">
                 <a:solidFill>
                   <a:srgbClr val="000000"/>
                 </a:solidFill>
@@ -3581,7 +3614,7 @@
               <a:buChar char="•"/>
             </a:pPr>
             <a:r>
-              <a:rPr lang="en-US" sz="2822" dirty="0">
+              <a:rPr lang="en-US" sz="2822">
                 <a:solidFill>
                   <a:srgbClr val="000000"/>
                 </a:solidFill>
@@ -3602,7 +3635,7 @@
               <a:buChar char="•"/>
             </a:pPr>
             <a:r>
-              <a:rPr lang="en-US" sz="2822" dirty="0">
+              <a:rPr lang="en-US" sz="2822">
                 <a:solidFill>
                   <a:srgbClr val="000000"/>
                 </a:solidFill>
@@ -3623,7 +3656,7 @@
               <a:buChar char="•"/>
             </a:pPr>
             <a:r>
-              <a:rPr lang="en-US" sz="2822" dirty="0">
+              <a:rPr lang="en-US" sz="2822">
                 <a:solidFill>
                   <a:srgbClr val="000000"/>
                 </a:solidFill>
@@ -3646,7 +3679,7 @@
         <p:spPr>
           <a:xfrm>
             <a:off x="7462507" y="885825"/>
-            <a:ext cx="3362986" cy="588366"/>
+            <a:ext cx="3362986" cy="680741"/>
           </a:xfrm>
           <a:prstGeom prst="rect">
             <a:avLst/>
@@ -3667,7 +3700,7 @@
               </a:spcBef>
             </a:pPr>
             <a:r>
-              <a:rPr lang="en-US" sz="3576" b="1" dirty="0">
+              <a:rPr lang="en-US" sz="3576">
                 <a:solidFill>
                   <a:srgbClr val="000000"/>
                 </a:solidFill>
@@ -3679,13 +3712,13 @@
               <a:t> </a:t>
             </a:r>
             <a:r>
-              <a:rPr lang="en-US" sz="3576" b="1" dirty="0">
+              <a:rPr lang="en-US" sz="3576" b="1">
                 <a:solidFill>
                   <a:srgbClr val="000000"/>
                 </a:solidFill>
-                <a:latin typeface="Times New Roman" panose="02020603050405020304" pitchFamily="18" charset="0"/>
+                <a:latin typeface="Times New Roman Bold"/>
                 <a:ea typeface="Times New Roman Bold"/>
-                <a:cs typeface="Times New Roman" panose="02020603050405020304" pitchFamily="18" charset="0"/>
+                <a:cs typeface="Times New Roman Bold"/>
                 <a:sym typeface="Times New Roman Bold"/>
               </a:rPr>
               <a:t>Innovation</a:t>
@@ -3746,6 +3779,13 @@
               <a:srgbClr val="8B0000"/>
             </a:solidFill>
           </p:spPr>
+          <p:txBody>
+            <a:bodyPr/>
+            <a:lstStyle/>
+            <a:p>
+              <a:endParaRPr lang="en-IN"/>
+            </a:p>
+          </p:txBody>
         </p:sp>
         <p:sp>
           <p:nvSpPr>
@@ -3832,6 +3872,13 @@
               <a:srgbClr val="8B0000"/>
             </a:solidFill>
           </p:spPr>
+          <p:txBody>
+            <a:bodyPr/>
+            <a:lstStyle/>
+            <a:p>
+              <a:endParaRPr lang="en-IN"/>
+            </a:p>
+          </p:txBody>
         </p:sp>
         <p:sp>
           <p:nvSpPr>
@@ -3910,6 +3957,13 @@
             </a:stretch>
           </a:blipFill>
         </p:spPr>
+        <p:txBody>
+          <a:bodyPr/>
+          <a:lstStyle/>
+          <a:p>
+            <a:endParaRPr lang="en-IN"/>
+          </a:p>
+        </p:txBody>
       </p:sp>
     </p:spTree>
   </p:cSld>
@@ -3989,6 +4043,13 @@
               <a:srgbClr val="8B0000"/>
             </a:solidFill>
           </p:spPr>
+          <p:txBody>
+            <a:bodyPr/>
+            <a:lstStyle/>
+            <a:p>
+              <a:endParaRPr lang="en-IN"/>
+            </a:p>
+          </p:txBody>
         </p:sp>
         <p:sp>
           <p:nvSpPr>
@@ -4075,6 +4136,13 @@
               <a:srgbClr val="8B0000"/>
             </a:solidFill>
           </p:spPr>
+          <p:txBody>
+            <a:bodyPr/>
+            <a:lstStyle/>
+            <a:p>
+              <a:endParaRPr lang="en-IN"/>
+            </a:p>
+          </p:txBody>
         </p:sp>
         <p:sp>
           <p:nvSpPr>
@@ -4153,6 +4221,13 @@
             </a:stretch>
           </a:blipFill>
         </p:spPr>
+        <p:txBody>
+          <a:bodyPr/>
+          <a:lstStyle/>
+          <a:p>
+            <a:endParaRPr lang="en-IN"/>
+          </a:p>
+        </p:txBody>
       </p:sp>
       <p:sp>
         <p:nvSpPr>
@@ -4349,14 +4424,14 @@
         <p:spPr>
           <a:xfrm>
             <a:off x="7516812" y="895350"/>
-            <a:ext cx="3913188" cy="576504"/>
+            <a:ext cx="3254375" cy="663576"/>
           </a:xfrm>
           <a:prstGeom prst="rect">
             <a:avLst/>
           </a:prstGeom>
         </p:spPr>
         <p:txBody>
-          <a:bodyPr wrap="square" lIns="0" tIns="0" rIns="0" bIns="0" rtlCol="0" anchor="t">
+          <a:bodyPr lIns="0" tIns="0" rIns="0" bIns="0" rtlCol="0" anchor="t">
             <a:spAutoFit/>
           </a:bodyPr>
           <a:lstStyle/>
@@ -4370,13 +4445,13 @@
               </a:spcBef>
             </a:pPr>
             <a:r>
-              <a:rPr lang="en-US" sz="3499" b="1" dirty="0">
+              <a:rPr lang="en-US" sz="3499" b="1">
                 <a:solidFill>
                   <a:srgbClr val="000000"/>
                 </a:solidFill>
-                <a:latin typeface="Times New Roman" panose="02020603050405020304" pitchFamily="18" charset="0"/>
+                <a:latin typeface="Times New Roman Bold"/>
                 <a:ea typeface="Times New Roman Bold"/>
-                <a:cs typeface="Times New Roman" panose="02020603050405020304" pitchFamily="18" charset="0"/>
+                <a:cs typeface="Times New Roman Bold"/>
                 <a:sym typeface="Times New Roman Bold"/>
               </a:rPr>
               <a:t>Idea Presentation</a:t>
@@ -4462,6 +4537,13 @@
               <a:srgbClr val="8B0000"/>
             </a:solidFill>
           </p:spPr>
+          <p:txBody>
+            <a:bodyPr/>
+            <a:lstStyle/>
+            <a:p>
+              <a:endParaRPr lang="en-IN"/>
+            </a:p>
+          </p:txBody>
         </p:sp>
         <p:sp>
           <p:nvSpPr>
@@ -4548,6 +4630,13 @@
               <a:srgbClr val="8B0000"/>
             </a:solidFill>
           </p:spPr>
+          <p:txBody>
+            <a:bodyPr/>
+            <a:lstStyle/>
+            <a:p>
+              <a:endParaRPr lang="en-IN"/>
+            </a:p>
+          </p:txBody>
         </p:sp>
         <p:sp>
           <p:nvSpPr>
@@ -4626,6 +4715,13 @@
             </a:stretch>
           </a:blipFill>
         </p:spPr>
+        <p:txBody>
+          <a:bodyPr/>
+          <a:lstStyle/>
+          <a:p>
+            <a:endParaRPr lang="en-IN"/>
+          </a:p>
+        </p:txBody>
       </p:sp>
       <p:sp>
         <p:nvSpPr>
@@ -4841,14 +4937,14 @@
         <p:spPr>
           <a:xfrm>
             <a:off x="6862117" y="895350"/>
-            <a:ext cx="5558483" cy="576504"/>
+            <a:ext cx="4792431" cy="663576"/>
           </a:xfrm>
           <a:prstGeom prst="rect">
             <a:avLst/>
           </a:prstGeom>
         </p:spPr>
         <p:txBody>
-          <a:bodyPr wrap="square" lIns="0" tIns="0" rIns="0" bIns="0" rtlCol="0" anchor="t">
+          <a:bodyPr lIns="0" tIns="0" rIns="0" bIns="0" rtlCol="0" anchor="t">
             <a:spAutoFit/>
           </a:bodyPr>
           <a:lstStyle/>
@@ -4862,19 +4958,7 @@
               </a:spcBef>
             </a:pPr>
             <a:r>
-              <a:rPr lang="en-US" sz="3499" b="1" dirty="0">
-                <a:solidFill>
-                  <a:srgbClr val="000000"/>
-                </a:solidFill>
-                <a:latin typeface="Times New Roman" panose="02020603050405020304" pitchFamily="18" charset="0"/>
-                <a:ea typeface="Times New Roman Bold"/>
-                <a:cs typeface="Times New Roman" panose="02020603050405020304" pitchFamily="18" charset="0"/>
-                <a:sym typeface="Times New Roman Bold"/>
-              </a:rPr>
-              <a:t>Technical</a:t>
-            </a:r>
-            <a:r>
-              <a:rPr lang="en-US" sz="3499" b="1" dirty="0">
+              <a:rPr lang="en-US" sz="3499" b="1">
                 <a:solidFill>
                   <a:srgbClr val="000000"/>
                 </a:solidFill>
@@ -4883,7 +4967,7 @@
                 <a:cs typeface="Times New Roman Bold"/>
                 <a:sym typeface="Times New Roman Bold"/>
               </a:rPr>
-              <a:t> Implementation</a:t>
+              <a:t>Technical Implementation</a:t>
             </a:r>
           </a:p>
         </p:txBody>
@@ -4966,6 +5050,13 @@
               <a:srgbClr val="8B0000"/>
             </a:solidFill>
           </p:spPr>
+          <p:txBody>
+            <a:bodyPr/>
+            <a:lstStyle/>
+            <a:p>
+              <a:endParaRPr lang="en-IN"/>
+            </a:p>
+          </p:txBody>
         </p:sp>
         <p:sp>
           <p:nvSpPr>
@@ -5052,6 +5143,13 @@
               <a:srgbClr val="8B0000"/>
             </a:solidFill>
           </p:spPr>
+          <p:txBody>
+            <a:bodyPr/>
+            <a:lstStyle/>
+            <a:p>
+              <a:endParaRPr lang="en-IN"/>
+            </a:p>
+          </p:txBody>
         </p:sp>
         <p:sp>
           <p:nvSpPr>
@@ -5130,6 +5228,13 @@
             </a:stretch>
           </a:blipFill>
         </p:spPr>
+        <p:txBody>
+          <a:bodyPr/>
+          <a:lstStyle/>
+          <a:p>
+            <a:endParaRPr lang="en-IN"/>
+          </a:p>
+        </p:txBody>
       </p:sp>
       <p:sp>
         <p:nvSpPr>
@@ -5337,14 +5442,14 @@
         <p:spPr>
           <a:xfrm>
             <a:off x="8097656" y="895350"/>
-            <a:ext cx="2754746" cy="576504"/>
+            <a:ext cx="2092689" cy="663576"/>
           </a:xfrm>
           <a:prstGeom prst="rect">
             <a:avLst/>
           </a:prstGeom>
         </p:spPr>
         <p:txBody>
-          <a:bodyPr wrap="square" lIns="0" tIns="0" rIns="0" bIns="0" rtlCol="0" anchor="t">
+          <a:bodyPr lIns="0" tIns="0" rIns="0" bIns="0" rtlCol="0" anchor="t">
             <a:spAutoFit/>
           </a:bodyPr>
           <a:lstStyle/>
@@ -5358,7 +5463,7 @@
               </a:spcBef>
             </a:pPr>
             <a:r>
-              <a:rPr lang="en-US" sz="3499" b="1" dirty="0">
+              <a:rPr lang="en-US" sz="3499" b="1">
                 <a:solidFill>
                   <a:srgbClr val="000000"/>
                 </a:solidFill>
@@ -5367,19 +5472,7 @@
                 <a:cs typeface="Times New Roman Bold"/>
                 <a:sym typeface="Times New Roman Bold"/>
               </a:rPr>
-              <a:t> </a:t>
-            </a:r>
-            <a:r>
-              <a:rPr lang="en-US" sz="3499" b="1" dirty="0">
-                <a:solidFill>
-                  <a:srgbClr val="000000"/>
-                </a:solidFill>
-                <a:latin typeface="Times New Roman" panose="02020603050405020304" pitchFamily="18" charset="0"/>
-                <a:ea typeface="Times New Roman Bold"/>
-                <a:cs typeface="Times New Roman" panose="02020603050405020304" pitchFamily="18" charset="0"/>
-                <a:sym typeface="Times New Roman Bold"/>
-              </a:rPr>
-              <a:t>Scalability</a:t>
+              <a:t> Scalability</a:t>
             </a:r>
           </a:p>
         </p:txBody>
@@ -5462,6 +5555,13 @@
               <a:srgbClr val="8B0000"/>
             </a:solidFill>
           </p:spPr>
+          <p:txBody>
+            <a:bodyPr/>
+            <a:lstStyle/>
+            <a:p>
+              <a:endParaRPr lang="en-IN"/>
+            </a:p>
+          </p:txBody>
         </p:sp>
         <p:sp>
           <p:nvSpPr>
@@ -5548,6 +5648,13 @@
               <a:srgbClr val="8B0000"/>
             </a:solidFill>
           </p:spPr>
+          <p:txBody>
+            <a:bodyPr/>
+            <a:lstStyle/>
+            <a:p>
+              <a:endParaRPr lang="en-IN"/>
+            </a:p>
+          </p:txBody>
         </p:sp>
         <p:sp>
           <p:nvSpPr>
@@ -5626,6 +5733,13 @@
             </a:stretch>
           </a:blipFill>
         </p:spPr>
+        <p:txBody>
+          <a:bodyPr/>
+          <a:lstStyle/>
+          <a:p>
+            <a:endParaRPr lang="en-IN"/>
+          </a:p>
+        </p:txBody>
       </p:sp>
       <p:sp>
         <p:nvSpPr>
@@ -5861,14 +5975,14 @@
         <p:spPr>
           <a:xfrm>
             <a:off x="8438059" y="895350"/>
-            <a:ext cx="2077541" cy="576504"/>
+            <a:ext cx="1411883" cy="663576"/>
           </a:xfrm>
           <a:prstGeom prst="rect">
             <a:avLst/>
           </a:prstGeom>
         </p:spPr>
         <p:txBody>
-          <a:bodyPr wrap="square" lIns="0" tIns="0" rIns="0" bIns="0" rtlCol="0" anchor="t">
+          <a:bodyPr lIns="0" tIns="0" rIns="0" bIns="0" rtlCol="0" anchor="t">
             <a:spAutoFit/>
           </a:bodyPr>
           <a:lstStyle/>
@@ -5882,7 +5996,7 @@
               </a:spcBef>
             </a:pPr>
             <a:r>
-              <a:rPr lang="en-US" sz="3499" dirty="0">
+              <a:rPr lang="en-US" sz="3499">
                 <a:solidFill>
                   <a:srgbClr val="000000"/>
                 </a:solidFill>
@@ -5894,13 +6008,13 @@
               <a:t> </a:t>
             </a:r>
             <a:r>
-              <a:rPr lang="en-US" sz="3499" b="1" dirty="0">
+              <a:rPr lang="en-US" sz="3499" b="1">
                 <a:solidFill>
                   <a:srgbClr val="000000"/>
                 </a:solidFill>
-                <a:latin typeface="Times New Roman" panose="02020603050405020304" pitchFamily="18" charset="0"/>
+                <a:latin typeface="Times New Roman Bold"/>
                 <a:ea typeface="Times New Roman Bold"/>
-                <a:cs typeface="Times New Roman" panose="02020603050405020304" pitchFamily="18" charset="0"/>
+                <a:cs typeface="Times New Roman Bold"/>
                 <a:sym typeface="Times New Roman Bold"/>
               </a:rPr>
               <a:t>Impact</a:t>
@@ -5917,6 +6031,944 @@
 </file>
 
 <file path=ppt/slides/slide7.xml><?xml version="1.0" encoding="utf-8"?>
+<p:sld xmlns:a="http://schemas.openxmlformats.org/drawingml/2006/main" xmlns:r="http://schemas.openxmlformats.org/officeDocument/2006/relationships" xmlns:p="http://schemas.openxmlformats.org/presentationml/2006/main">
+  <p:cSld>
+    <p:spTree>
+      <p:nvGrpSpPr>
+        <p:cNvPr id="1" name=""/>
+        <p:cNvGrpSpPr/>
+        <p:nvPr/>
+      </p:nvGrpSpPr>
+      <p:grpSpPr>
+        <a:xfrm>
+          <a:off x="0" y="0"/>
+          <a:ext cx="0" cy="0"/>
+          <a:chOff x="0" y="0"/>
+          <a:chExt cx="0" cy="0"/>
+        </a:xfrm>
+      </p:grpSpPr>
+      <p:grpSp>
+        <p:nvGrpSpPr>
+          <p:cNvPr id="2" name="Group 2"/>
+          <p:cNvGrpSpPr/>
+          <p:nvPr/>
+        </p:nvGrpSpPr>
+        <p:grpSpPr>
+          <a:xfrm>
+            <a:off x="-167951" y="9612018"/>
+            <a:ext cx="18288000" cy="674982"/>
+            <a:chOff x="0" y="0"/>
+            <a:chExt cx="4816593" cy="177773"/>
+          </a:xfrm>
+        </p:grpSpPr>
+        <p:sp>
+          <p:nvSpPr>
+            <p:cNvPr id="3" name="Freeform 3"/>
+            <p:cNvSpPr/>
+            <p:nvPr/>
+          </p:nvSpPr>
+          <p:spPr>
+            <a:xfrm>
+              <a:off x="0" y="0"/>
+              <a:ext cx="4816592" cy="177773"/>
+            </a:xfrm>
+            <a:custGeom>
+              <a:avLst/>
+              <a:gdLst/>
+              <a:ahLst/>
+              <a:cxnLst/>
+              <a:rect l="l" t="t" r="r" b="b"/>
+              <a:pathLst>
+                <a:path w="4816592" h="177773">
+                  <a:moveTo>
+                    <a:pt x="0" y="0"/>
+                  </a:moveTo>
+                  <a:lnTo>
+                    <a:pt x="4816592" y="0"/>
+                  </a:lnTo>
+                  <a:lnTo>
+                    <a:pt x="4816592" y="177773"/>
+                  </a:lnTo>
+                  <a:lnTo>
+                    <a:pt x="0" y="177773"/>
+                  </a:lnTo>
+                  <a:close/>
+                </a:path>
+              </a:pathLst>
+            </a:custGeom>
+            <a:solidFill>
+              <a:srgbClr val="8B0000"/>
+            </a:solidFill>
+          </p:spPr>
+          <p:txBody>
+            <a:bodyPr/>
+            <a:lstStyle/>
+            <a:p>
+              <a:endParaRPr lang="en-IN"/>
+            </a:p>
+          </p:txBody>
+        </p:sp>
+        <p:sp>
+          <p:nvSpPr>
+            <p:cNvPr id="4" name="TextBox 4"/>
+            <p:cNvSpPr txBox="1"/>
+            <p:nvPr/>
+          </p:nvSpPr>
+          <p:spPr>
+            <a:xfrm>
+              <a:off x="0" y="-38100"/>
+              <a:ext cx="4816593" cy="215873"/>
+            </a:xfrm>
+            <a:prstGeom prst="rect">
+              <a:avLst/>
+            </a:prstGeom>
+          </p:spPr>
+          <p:txBody>
+            <a:bodyPr lIns="50800" tIns="50800" rIns="50800" bIns="50800" rtlCol="0" anchor="ctr"/>
+            <a:lstStyle/>
+            <a:p>
+              <a:pPr algn="ctr">
+                <a:lnSpc>
+                  <a:spcPts val="2659"/>
+                </a:lnSpc>
+                <a:spcBef>
+                  <a:spcPct val="0"/>
+                </a:spcBef>
+              </a:pPr>
+              <a:endParaRPr/>
+            </a:p>
+          </p:txBody>
+        </p:sp>
+      </p:grpSp>
+      <p:grpSp>
+        <p:nvGrpSpPr>
+          <p:cNvPr id="5" name="Group 5"/>
+          <p:cNvGrpSpPr/>
+          <p:nvPr/>
+        </p:nvGrpSpPr>
+        <p:grpSpPr>
+          <a:xfrm>
+            <a:off x="-167951" y="0"/>
+            <a:ext cx="18288000" cy="725655"/>
+            <a:chOff x="0" y="0"/>
+            <a:chExt cx="4816593" cy="191119"/>
+          </a:xfrm>
+        </p:grpSpPr>
+        <p:sp>
+          <p:nvSpPr>
+            <p:cNvPr id="6" name="Freeform 6"/>
+            <p:cNvSpPr/>
+            <p:nvPr/>
+          </p:nvSpPr>
+          <p:spPr>
+            <a:xfrm>
+              <a:off x="0" y="0"/>
+              <a:ext cx="4816592" cy="191119"/>
+            </a:xfrm>
+            <a:custGeom>
+              <a:avLst/>
+              <a:gdLst/>
+              <a:ahLst/>
+              <a:cxnLst/>
+              <a:rect l="l" t="t" r="r" b="b"/>
+              <a:pathLst>
+                <a:path w="4816592" h="191119">
+                  <a:moveTo>
+                    <a:pt x="0" y="0"/>
+                  </a:moveTo>
+                  <a:lnTo>
+                    <a:pt x="4816592" y="0"/>
+                  </a:lnTo>
+                  <a:lnTo>
+                    <a:pt x="4816592" y="191119"/>
+                  </a:lnTo>
+                  <a:lnTo>
+                    <a:pt x="0" y="191119"/>
+                  </a:lnTo>
+                  <a:close/>
+                </a:path>
+              </a:pathLst>
+            </a:custGeom>
+            <a:solidFill>
+              <a:srgbClr val="8B0000"/>
+            </a:solidFill>
+          </p:spPr>
+          <p:txBody>
+            <a:bodyPr/>
+            <a:lstStyle/>
+            <a:p>
+              <a:endParaRPr lang="en-IN"/>
+            </a:p>
+          </p:txBody>
+        </p:sp>
+        <p:sp>
+          <p:nvSpPr>
+            <p:cNvPr id="7" name="TextBox 7"/>
+            <p:cNvSpPr txBox="1"/>
+            <p:nvPr/>
+          </p:nvSpPr>
+          <p:spPr>
+            <a:xfrm>
+              <a:off x="0" y="-38100"/>
+              <a:ext cx="4816593" cy="229219"/>
+            </a:xfrm>
+            <a:prstGeom prst="rect">
+              <a:avLst/>
+            </a:prstGeom>
+          </p:spPr>
+          <p:txBody>
+            <a:bodyPr lIns="50800" tIns="50800" rIns="50800" bIns="50800" rtlCol="0" anchor="ctr"/>
+            <a:lstStyle/>
+            <a:p>
+              <a:pPr algn="ctr">
+                <a:lnSpc>
+                  <a:spcPts val="2659"/>
+                </a:lnSpc>
+                <a:spcBef>
+                  <a:spcPct val="0"/>
+                </a:spcBef>
+              </a:pPr>
+              <a:endParaRPr/>
+            </a:p>
+          </p:txBody>
+        </p:sp>
+      </p:grpSp>
+      <p:sp>
+        <p:nvSpPr>
+          <p:cNvPr id="8" name="Freeform 8"/>
+          <p:cNvSpPr/>
+          <p:nvPr/>
+        </p:nvSpPr>
+        <p:spPr>
+          <a:xfrm>
+            <a:off x="12507372" y="0"/>
+            <a:ext cx="5612677" cy="725655"/>
+          </a:xfrm>
+          <a:custGeom>
+            <a:avLst/>
+            <a:gdLst/>
+            <a:ahLst/>
+            <a:cxnLst/>
+            <a:rect l="l" t="t" r="r" b="b"/>
+            <a:pathLst>
+              <a:path w="5612677" h="725655">
+                <a:moveTo>
+                  <a:pt x="0" y="0"/>
+                </a:moveTo>
+                <a:lnTo>
+                  <a:pt x="5612677" y="0"/>
+                </a:lnTo>
+                <a:lnTo>
+                  <a:pt x="5612677" y="725655"/>
+                </a:lnTo>
+                <a:lnTo>
+                  <a:pt x="0" y="725655"/>
+                </a:lnTo>
+                <a:lnTo>
+                  <a:pt x="0" y="0"/>
+                </a:lnTo>
+                <a:close/>
+              </a:path>
+            </a:pathLst>
+          </a:custGeom>
+          <a:blipFill>
+            <a:blip r:embed="rId2"/>
+            <a:stretch>
+              <a:fillRect t="-12748" b="-14873"/>
+            </a:stretch>
+          </a:blipFill>
+        </p:spPr>
+        <p:txBody>
+          <a:bodyPr/>
+          <a:lstStyle/>
+          <a:p>
+            <a:endParaRPr lang="en-IN"/>
+          </a:p>
+        </p:txBody>
+      </p:sp>
+      <p:sp>
+        <p:nvSpPr>
+          <p:cNvPr id="9" name="Freeform 9"/>
+          <p:cNvSpPr/>
+          <p:nvPr/>
+        </p:nvSpPr>
+        <p:spPr>
+          <a:xfrm>
+            <a:off x="13174629" y="1769246"/>
+            <a:ext cx="2999274" cy="3004158"/>
+          </a:xfrm>
+          <a:custGeom>
+            <a:avLst/>
+            <a:gdLst/>
+            <a:ahLst/>
+            <a:cxnLst/>
+            <a:rect l="l" t="t" r="r" b="b"/>
+            <a:pathLst>
+              <a:path w="2999274" h="3004158">
+                <a:moveTo>
+                  <a:pt x="0" y="0"/>
+                </a:moveTo>
+                <a:lnTo>
+                  <a:pt x="2999274" y="0"/>
+                </a:lnTo>
+                <a:lnTo>
+                  <a:pt x="2999274" y="3004159"/>
+                </a:lnTo>
+                <a:lnTo>
+                  <a:pt x="0" y="3004159"/>
+                </a:lnTo>
+                <a:lnTo>
+                  <a:pt x="0" y="0"/>
+                </a:lnTo>
+                <a:close/>
+              </a:path>
+            </a:pathLst>
+          </a:custGeom>
+          <a:blipFill>
+            <a:blip r:embed="rId3"/>
+            <a:stretch>
+              <a:fillRect/>
+            </a:stretch>
+          </a:blipFill>
+        </p:spPr>
+        <p:txBody>
+          <a:bodyPr/>
+          <a:lstStyle/>
+          <a:p>
+            <a:endParaRPr lang="en-IN"/>
+          </a:p>
+        </p:txBody>
+      </p:sp>
+      <p:grpSp>
+        <p:nvGrpSpPr>
+          <p:cNvPr id="10" name="Group 10"/>
+          <p:cNvGrpSpPr/>
+          <p:nvPr/>
+        </p:nvGrpSpPr>
+        <p:grpSpPr>
+          <a:xfrm>
+            <a:off x="1114985" y="5289149"/>
+            <a:ext cx="3464462" cy="2180212"/>
+            <a:chOff x="0" y="0"/>
+            <a:chExt cx="912451" cy="574212"/>
+          </a:xfrm>
+        </p:grpSpPr>
+        <p:sp>
+          <p:nvSpPr>
+            <p:cNvPr id="11" name="Freeform 11"/>
+            <p:cNvSpPr/>
+            <p:nvPr/>
+          </p:nvSpPr>
+          <p:spPr>
+            <a:xfrm>
+              <a:off x="0" y="0"/>
+              <a:ext cx="912451" cy="574212"/>
+            </a:xfrm>
+            <a:custGeom>
+              <a:avLst/>
+              <a:gdLst/>
+              <a:ahLst/>
+              <a:cxnLst/>
+              <a:rect l="l" t="t" r="r" b="b"/>
+              <a:pathLst>
+                <a:path w="912451" h="574212">
+                  <a:moveTo>
+                    <a:pt x="0" y="0"/>
+                  </a:moveTo>
+                  <a:lnTo>
+                    <a:pt x="912451" y="0"/>
+                  </a:lnTo>
+                  <a:lnTo>
+                    <a:pt x="912451" y="574212"/>
+                  </a:lnTo>
+                  <a:lnTo>
+                    <a:pt x="0" y="574212"/>
+                  </a:lnTo>
+                  <a:close/>
+                </a:path>
+              </a:pathLst>
+            </a:custGeom>
+            <a:solidFill>
+              <a:srgbClr val="FFFFFF"/>
+            </a:solidFill>
+            <a:ln w="38100" cap="sq">
+              <a:solidFill>
+                <a:srgbClr val="000000"/>
+              </a:solidFill>
+              <a:prstDash val="solid"/>
+              <a:miter/>
+            </a:ln>
+          </p:spPr>
+          <p:txBody>
+            <a:bodyPr/>
+            <a:lstStyle/>
+            <a:p>
+              <a:endParaRPr lang="en-IN"/>
+            </a:p>
+          </p:txBody>
+        </p:sp>
+        <p:sp>
+          <p:nvSpPr>
+            <p:cNvPr id="12" name="TextBox 12"/>
+            <p:cNvSpPr txBox="1"/>
+            <p:nvPr/>
+          </p:nvSpPr>
+          <p:spPr>
+            <a:xfrm>
+              <a:off x="0" y="-38100"/>
+              <a:ext cx="912451" cy="612312"/>
+            </a:xfrm>
+            <a:prstGeom prst="rect">
+              <a:avLst/>
+            </a:prstGeom>
+          </p:spPr>
+          <p:txBody>
+            <a:bodyPr lIns="50800" tIns="50800" rIns="50800" bIns="50800" rtlCol="0" anchor="ctr"/>
+            <a:lstStyle/>
+            <a:p>
+              <a:pPr algn="ctr">
+                <a:lnSpc>
+                  <a:spcPts val="2659"/>
+                </a:lnSpc>
+              </a:pPr>
+              <a:r>
+                <a:rPr lang="en-US" sz="1899">
+                  <a:solidFill>
+                    <a:srgbClr val="000000"/>
+                  </a:solidFill>
+                  <a:latin typeface="Canva Sans"/>
+                  <a:ea typeface="Canva Sans"/>
+                  <a:cs typeface="Canva Sans"/>
+                  <a:sym typeface="Canva Sans"/>
+                </a:rPr>
+                <a:t>1</a:t>
+              </a:r>
+            </a:p>
+          </p:txBody>
+        </p:sp>
+      </p:grpSp>
+      <p:sp>
+        <p:nvSpPr>
+          <p:cNvPr id="13" name="TextBox 13"/>
+          <p:cNvSpPr txBox="1"/>
+          <p:nvPr/>
+        </p:nvSpPr>
+        <p:spPr>
+          <a:xfrm>
+            <a:off x="5592607" y="896176"/>
+            <a:ext cx="6766885" cy="663576"/>
+          </a:xfrm>
+          <a:prstGeom prst="rect">
+            <a:avLst/>
+          </a:prstGeom>
+        </p:spPr>
+        <p:txBody>
+          <a:bodyPr lIns="0" tIns="0" rIns="0" bIns="0" rtlCol="0" anchor="t">
+            <a:spAutoFit/>
+          </a:bodyPr>
+          <a:lstStyle/>
+          <a:p>
+            <a:pPr algn="ctr">
+              <a:lnSpc>
+                <a:spcPts val="4899"/>
+              </a:lnSpc>
+              <a:spcBef>
+                <a:spcPct val="0"/>
+              </a:spcBef>
+            </a:pPr>
+            <a:r>
+              <a:rPr lang="en-US" sz="3499" b="1">
+                <a:solidFill>
+                  <a:srgbClr val="000000"/>
+                </a:solidFill>
+                <a:latin typeface="Times New Roman Bold"/>
+                <a:ea typeface="Times New Roman Bold"/>
+                <a:cs typeface="Times New Roman Bold"/>
+                <a:sym typeface="Times New Roman Bold"/>
+              </a:rPr>
+              <a:t>Compulsory Registration on Insterra</a:t>
+            </a:r>
+          </a:p>
+        </p:txBody>
+      </p:sp>
+      <p:sp>
+        <p:nvSpPr>
+          <p:cNvPr id="14" name="TextBox 14"/>
+          <p:cNvSpPr txBox="1"/>
+          <p:nvPr/>
+        </p:nvSpPr>
+        <p:spPr>
+          <a:xfrm>
+            <a:off x="1231529" y="1970722"/>
+            <a:ext cx="8722155" cy="3263360"/>
+          </a:xfrm>
+          <a:prstGeom prst="rect">
+            <a:avLst/>
+          </a:prstGeom>
+        </p:spPr>
+        <p:txBody>
+          <a:bodyPr lIns="0" tIns="0" rIns="0" bIns="0" rtlCol="0" anchor="t">
+            <a:spAutoFit/>
+          </a:bodyPr>
+          <a:lstStyle/>
+          <a:p>
+            <a:pPr algn="l">
+              <a:lnSpc>
+                <a:spcPts val="3646"/>
+              </a:lnSpc>
+              <a:spcBef>
+                <a:spcPct val="0"/>
+              </a:spcBef>
+            </a:pPr>
+            <a:r>
+              <a:rPr lang="en-US" sz="2604" b="1">
+                <a:solidFill>
+                  <a:srgbClr val="000000"/>
+                </a:solidFill>
+                <a:latin typeface="Times New Roman Bold"/>
+                <a:ea typeface="Times New Roman Bold"/>
+                <a:cs typeface="Times New Roman Bold"/>
+                <a:sym typeface="Times New Roman Bold"/>
+              </a:rPr>
+              <a:t>Please find the QR code of insterra.ai herewith.</a:t>
+            </a:r>
+          </a:p>
+          <a:p>
+            <a:pPr algn="l">
+              <a:lnSpc>
+                <a:spcPts val="3646"/>
+              </a:lnSpc>
+              <a:spcBef>
+                <a:spcPct val="0"/>
+              </a:spcBef>
+            </a:pPr>
+            <a:endParaRPr lang="en-US" sz="2604" b="1">
+              <a:solidFill>
+                <a:srgbClr val="000000"/>
+              </a:solidFill>
+              <a:latin typeface="Times New Roman Bold"/>
+              <a:ea typeface="Times New Roman Bold"/>
+              <a:cs typeface="Times New Roman Bold"/>
+              <a:sym typeface="Times New Roman Bold"/>
+            </a:endParaRPr>
+          </a:p>
+          <a:p>
+            <a:pPr algn="l">
+              <a:lnSpc>
+                <a:spcPts val="3646"/>
+              </a:lnSpc>
+              <a:spcBef>
+                <a:spcPct val="0"/>
+              </a:spcBef>
+            </a:pPr>
+            <a:r>
+              <a:rPr lang="en-US" sz="2604" b="1" u="sng">
+                <a:solidFill>
+                  <a:srgbClr val="000000"/>
+                </a:solidFill>
+                <a:latin typeface="Times New Roman Bold"/>
+                <a:ea typeface="Times New Roman Bold"/>
+                <a:cs typeface="Times New Roman Bold"/>
+                <a:sym typeface="Times New Roman Bold"/>
+              </a:rPr>
+              <a:t>This is a Compulsory Step*</a:t>
+            </a:r>
+          </a:p>
+          <a:p>
+            <a:pPr algn="l">
+              <a:lnSpc>
+                <a:spcPts val="3646"/>
+              </a:lnSpc>
+              <a:spcBef>
+                <a:spcPct val="0"/>
+              </a:spcBef>
+            </a:pPr>
+            <a:endParaRPr lang="en-US" sz="2604" b="1" u="sng">
+              <a:solidFill>
+                <a:srgbClr val="000000"/>
+              </a:solidFill>
+              <a:latin typeface="Times New Roman Bold"/>
+              <a:ea typeface="Times New Roman Bold"/>
+              <a:cs typeface="Times New Roman Bold"/>
+              <a:sym typeface="Times New Roman Bold"/>
+            </a:endParaRPr>
+          </a:p>
+          <a:p>
+            <a:pPr algn="l">
+              <a:lnSpc>
+                <a:spcPts val="3646"/>
+              </a:lnSpc>
+              <a:spcBef>
+                <a:spcPct val="0"/>
+              </a:spcBef>
+            </a:pPr>
+            <a:r>
+              <a:rPr lang="en-US" sz="2604" b="1">
+                <a:solidFill>
+                  <a:srgbClr val="000000"/>
+                </a:solidFill>
+                <a:latin typeface="Times New Roman Bold"/>
+                <a:ea typeface="Times New Roman Bold"/>
+                <a:cs typeface="Times New Roman Bold"/>
+                <a:sym typeface="Times New Roman Bold"/>
+              </a:rPr>
+              <a:t>Put the Screenshots of the Registrations on this Template of </a:t>
+            </a:r>
+          </a:p>
+          <a:p>
+            <a:pPr algn="l">
+              <a:lnSpc>
+                <a:spcPts val="3646"/>
+              </a:lnSpc>
+              <a:spcBef>
+                <a:spcPct val="0"/>
+              </a:spcBef>
+            </a:pPr>
+            <a:r>
+              <a:rPr lang="en-US" sz="2604" b="1">
+                <a:solidFill>
+                  <a:srgbClr val="000000"/>
+                </a:solidFill>
+                <a:latin typeface="Times New Roman Bold"/>
+                <a:ea typeface="Times New Roman Bold"/>
+                <a:cs typeface="Times New Roman Bold"/>
+                <a:sym typeface="Times New Roman Bold"/>
+              </a:rPr>
+              <a:t>*ALL* the members on your team !</a:t>
+            </a:r>
+          </a:p>
+          <a:p>
+            <a:pPr algn="l">
+              <a:lnSpc>
+                <a:spcPts val="3646"/>
+              </a:lnSpc>
+              <a:spcBef>
+                <a:spcPct val="0"/>
+              </a:spcBef>
+            </a:pPr>
+            <a:endParaRPr lang="en-US" sz="2604" b="1">
+              <a:solidFill>
+                <a:srgbClr val="000000"/>
+              </a:solidFill>
+              <a:latin typeface="Times New Roman Bold"/>
+              <a:ea typeface="Times New Roman Bold"/>
+              <a:cs typeface="Times New Roman Bold"/>
+              <a:sym typeface="Times New Roman Bold"/>
+            </a:endParaRPr>
+          </a:p>
+        </p:txBody>
+      </p:sp>
+      <p:sp>
+        <p:nvSpPr>
+          <p:cNvPr id="15" name="TextBox 15"/>
+          <p:cNvSpPr txBox="1"/>
+          <p:nvPr/>
+        </p:nvSpPr>
+        <p:spPr>
+          <a:xfrm>
+            <a:off x="1173257" y="8457427"/>
+            <a:ext cx="8838699" cy="531811"/>
+          </a:xfrm>
+          <a:prstGeom prst="rect">
+            <a:avLst/>
+          </a:prstGeom>
+        </p:spPr>
+        <p:txBody>
+          <a:bodyPr lIns="0" tIns="0" rIns="0" bIns="0" rtlCol="0" anchor="t">
+            <a:spAutoFit/>
+          </a:bodyPr>
+          <a:lstStyle/>
+          <a:p>
+            <a:pPr algn="l">
+              <a:lnSpc>
+                <a:spcPts val="3866"/>
+              </a:lnSpc>
+            </a:pPr>
+            <a:r>
+              <a:rPr lang="en-US" sz="2761" b="1" u="sng">
+                <a:solidFill>
+                  <a:srgbClr val="000000"/>
+                </a:solidFill>
+                <a:latin typeface="Times New Roman Bold"/>
+                <a:ea typeface="Times New Roman Bold"/>
+                <a:cs typeface="Times New Roman Bold"/>
+                <a:sym typeface="Times New Roman Bold"/>
+                <a:hlinkClick r:id="rId4" tooltip="https://play.google.com/store/apps/details?id=com.instterra"/>
+              </a:rPr>
+              <a:t>https://play.google.com/store/apps/details?id=com.instterra</a:t>
+            </a:r>
+          </a:p>
+        </p:txBody>
+      </p:sp>
+      <p:sp>
+        <p:nvSpPr>
+          <p:cNvPr id="16" name="TextBox 16"/>
+          <p:cNvSpPr txBox="1"/>
+          <p:nvPr/>
+        </p:nvSpPr>
+        <p:spPr>
+          <a:xfrm>
+            <a:off x="1173257" y="7888461"/>
+            <a:ext cx="2880281" cy="440546"/>
+          </a:xfrm>
+          <a:prstGeom prst="rect">
+            <a:avLst/>
+          </a:prstGeom>
+        </p:spPr>
+        <p:txBody>
+          <a:bodyPr lIns="0" tIns="0" rIns="0" bIns="0" rtlCol="0" anchor="t">
+            <a:spAutoFit/>
+          </a:bodyPr>
+          <a:lstStyle/>
+          <a:p>
+            <a:pPr algn="ctr">
+              <a:lnSpc>
+                <a:spcPts val="3212"/>
+              </a:lnSpc>
+              <a:spcBef>
+                <a:spcPct val="0"/>
+              </a:spcBef>
+            </a:pPr>
+            <a:r>
+              <a:rPr lang="en-US" sz="2294" b="1">
+                <a:solidFill>
+                  <a:srgbClr val="000000"/>
+                </a:solidFill>
+                <a:latin typeface="Times New Roman Bold"/>
+                <a:ea typeface="Times New Roman Bold"/>
+                <a:cs typeface="Times New Roman Bold"/>
+                <a:sym typeface="Times New Roman Bold"/>
+              </a:rPr>
+              <a:t>Link For Registration : </a:t>
+            </a:r>
+          </a:p>
+        </p:txBody>
+      </p:sp>
+      <p:grpSp>
+        <p:nvGrpSpPr>
+          <p:cNvPr id="17" name="Group 17"/>
+          <p:cNvGrpSpPr/>
+          <p:nvPr/>
+        </p:nvGrpSpPr>
+        <p:grpSpPr>
+          <a:xfrm>
+            <a:off x="7028510" y="5289149"/>
+            <a:ext cx="3464462" cy="2180212"/>
+            <a:chOff x="0" y="0"/>
+            <a:chExt cx="912451" cy="574212"/>
+          </a:xfrm>
+        </p:grpSpPr>
+        <p:sp>
+          <p:nvSpPr>
+            <p:cNvPr id="18" name="Freeform 18"/>
+            <p:cNvSpPr/>
+            <p:nvPr/>
+          </p:nvSpPr>
+          <p:spPr>
+            <a:xfrm>
+              <a:off x="0" y="0"/>
+              <a:ext cx="912451" cy="574212"/>
+            </a:xfrm>
+            <a:custGeom>
+              <a:avLst/>
+              <a:gdLst/>
+              <a:ahLst/>
+              <a:cxnLst/>
+              <a:rect l="l" t="t" r="r" b="b"/>
+              <a:pathLst>
+                <a:path w="912451" h="574212">
+                  <a:moveTo>
+                    <a:pt x="0" y="0"/>
+                  </a:moveTo>
+                  <a:lnTo>
+                    <a:pt x="912451" y="0"/>
+                  </a:lnTo>
+                  <a:lnTo>
+                    <a:pt x="912451" y="574212"/>
+                  </a:lnTo>
+                  <a:lnTo>
+                    <a:pt x="0" y="574212"/>
+                  </a:lnTo>
+                  <a:close/>
+                </a:path>
+              </a:pathLst>
+            </a:custGeom>
+            <a:solidFill>
+              <a:srgbClr val="FFFFFF"/>
+            </a:solidFill>
+            <a:ln w="38100" cap="sq">
+              <a:solidFill>
+                <a:srgbClr val="000000"/>
+              </a:solidFill>
+              <a:prstDash val="solid"/>
+              <a:miter/>
+            </a:ln>
+          </p:spPr>
+          <p:txBody>
+            <a:bodyPr/>
+            <a:lstStyle/>
+            <a:p>
+              <a:endParaRPr lang="en-IN"/>
+            </a:p>
+          </p:txBody>
+        </p:sp>
+        <p:sp>
+          <p:nvSpPr>
+            <p:cNvPr id="19" name="TextBox 19"/>
+            <p:cNvSpPr txBox="1"/>
+            <p:nvPr/>
+          </p:nvSpPr>
+          <p:spPr>
+            <a:xfrm>
+              <a:off x="0" y="-38100"/>
+              <a:ext cx="912451" cy="612312"/>
+            </a:xfrm>
+            <a:prstGeom prst="rect">
+              <a:avLst/>
+            </a:prstGeom>
+          </p:spPr>
+          <p:txBody>
+            <a:bodyPr lIns="50800" tIns="50800" rIns="50800" bIns="50800" rtlCol="0" anchor="ctr"/>
+            <a:lstStyle/>
+            <a:p>
+              <a:pPr algn="ctr">
+                <a:lnSpc>
+                  <a:spcPts val="2659"/>
+                </a:lnSpc>
+              </a:pPr>
+              <a:r>
+                <a:rPr lang="en-US" sz="1899">
+                  <a:solidFill>
+                    <a:srgbClr val="000000"/>
+                  </a:solidFill>
+                  <a:latin typeface="Canva Sans"/>
+                  <a:ea typeface="Canva Sans"/>
+                  <a:cs typeface="Canva Sans"/>
+                  <a:sym typeface="Canva Sans"/>
+                </a:rPr>
+                <a:t>2</a:t>
+              </a:r>
+            </a:p>
+          </p:txBody>
+        </p:sp>
+      </p:grpSp>
+      <p:grpSp>
+        <p:nvGrpSpPr>
+          <p:cNvPr id="20" name="Group 20"/>
+          <p:cNvGrpSpPr/>
+          <p:nvPr/>
+        </p:nvGrpSpPr>
+        <p:grpSpPr>
+          <a:xfrm>
+            <a:off x="12940897" y="5289149"/>
+            <a:ext cx="3464462" cy="2180212"/>
+            <a:chOff x="0" y="0"/>
+            <a:chExt cx="912451" cy="574212"/>
+          </a:xfrm>
+        </p:grpSpPr>
+        <p:sp>
+          <p:nvSpPr>
+            <p:cNvPr id="21" name="Freeform 21"/>
+            <p:cNvSpPr/>
+            <p:nvPr/>
+          </p:nvSpPr>
+          <p:spPr>
+            <a:xfrm>
+              <a:off x="0" y="0"/>
+              <a:ext cx="912451" cy="574212"/>
+            </a:xfrm>
+            <a:custGeom>
+              <a:avLst/>
+              <a:gdLst/>
+              <a:ahLst/>
+              <a:cxnLst/>
+              <a:rect l="l" t="t" r="r" b="b"/>
+              <a:pathLst>
+                <a:path w="912451" h="574212">
+                  <a:moveTo>
+                    <a:pt x="0" y="0"/>
+                  </a:moveTo>
+                  <a:lnTo>
+                    <a:pt x="912451" y="0"/>
+                  </a:lnTo>
+                  <a:lnTo>
+                    <a:pt x="912451" y="574212"/>
+                  </a:lnTo>
+                  <a:lnTo>
+                    <a:pt x="0" y="574212"/>
+                  </a:lnTo>
+                  <a:close/>
+                </a:path>
+              </a:pathLst>
+            </a:custGeom>
+            <a:solidFill>
+              <a:srgbClr val="FFFFFF"/>
+            </a:solidFill>
+            <a:ln w="38100" cap="sq">
+              <a:solidFill>
+                <a:srgbClr val="000000"/>
+              </a:solidFill>
+              <a:prstDash val="solid"/>
+              <a:miter/>
+            </a:ln>
+          </p:spPr>
+          <p:txBody>
+            <a:bodyPr/>
+            <a:lstStyle/>
+            <a:p>
+              <a:endParaRPr lang="en-IN"/>
+            </a:p>
+          </p:txBody>
+        </p:sp>
+        <p:sp>
+          <p:nvSpPr>
+            <p:cNvPr id="22" name="TextBox 22"/>
+            <p:cNvSpPr txBox="1"/>
+            <p:nvPr/>
+          </p:nvSpPr>
+          <p:spPr>
+            <a:xfrm>
+              <a:off x="0" y="-38100"/>
+              <a:ext cx="912451" cy="612312"/>
+            </a:xfrm>
+            <a:prstGeom prst="rect">
+              <a:avLst/>
+            </a:prstGeom>
+          </p:spPr>
+          <p:txBody>
+            <a:bodyPr lIns="50800" tIns="50800" rIns="50800" bIns="50800" rtlCol="0" anchor="ctr"/>
+            <a:lstStyle/>
+            <a:p>
+              <a:pPr algn="ctr">
+                <a:lnSpc>
+                  <a:spcPts val="2659"/>
+                </a:lnSpc>
+              </a:pPr>
+              <a:r>
+                <a:rPr lang="en-US" sz="1899">
+                  <a:solidFill>
+                    <a:srgbClr val="000000"/>
+                  </a:solidFill>
+                  <a:latin typeface="Canva Sans"/>
+                  <a:ea typeface="Canva Sans"/>
+                  <a:cs typeface="Canva Sans"/>
+                  <a:sym typeface="Canva Sans"/>
+                </a:rPr>
+                <a:t>3</a:t>
+              </a:r>
+            </a:p>
+          </p:txBody>
+        </p:sp>
+      </p:grpSp>
+    </p:spTree>
+  </p:cSld>
+  <p:clrMapOvr>
+    <a:masterClrMapping/>
+  </p:clrMapOvr>
+</p:sld>
+</file>
+
+<file path=ppt/slides/slide8.xml><?xml version="1.0" encoding="utf-8"?>
 <p:sld xmlns:a="http://schemas.openxmlformats.org/drawingml/2006/main" xmlns:r="http://schemas.openxmlformats.org/officeDocument/2006/relationships" xmlns:p="http://schemas.openxmlformats.org/presentationml/2006/main">
   <p:cSld>
     <p:spTree>
@@ -5986,6 +7038,13 @@
               <a:srgbClr val="8B0000"/>
             </a:solidFill>
           </p:spPr>
+          <p:txBody>
+            <a:bodyPr/>
+            <a:lstStyle/>
+            <a:p>
+              <a:endParaRPr lang="en-IN"/>
+            </a:p>
+          </p:txBody>
         </p:sp>
         <p:sp>
           <p:nvSpPr>
@@ -6072,6 +7131,13 @@
               <a:srgbClr val="8B0000"/>
             </a:solidFill>
           </p:spPr>
+          <p:txBody>
+            <a:bodyPr/>
+            <a:lstStyle/>
+            <a:p>
+              <a:endParaRPr lang="en-IN"/>
+            </a:p>
+          </p:txBody>
         </p:sp>
         <p:sp>
           <p:nvSpPr>
@@ -6150,6 +7216,13 @@
             </a:stretch>
           </a:blipFill>
         </p:spPr>
+        <p:txBody>
+          <a:bodyPr/>
+          <a:lstStyle/>
+          <a:p>
+            <a:endParaRPr lang="en-IN"/>
+          </a:p>
+        </p:txBody>
       </p:sp>
       <p:sp>
         <p:nvSpPr>
